--- a/lectures/09/Протоколы когерентности кэш-памяти.pptx
+++ b/lectures/09/Протоколы когерентности кэш-памяти.pptx
@@ -5,7 +5,7 @@
     <p:sldMasterId id="2147483648" r:id="rId1"/>
   </p:sldMasterIdLst>
   <p:notesMasterIdLst>
-    <p:notesMasterId r:id="rId41"/>
+    <p:notesMasterId r:id="rId47"/>
   </p:notesMasterIdLst>
   <p:sldIdLst>
     <p:sldId id="295" r:id="rId2"/>
@@ -45,8 +45,14 @@
     <p:sldId id="332" r:id="rId36"/>
     <p:sldId id="333" r:id="rId37"/>
     <p:sldId id="334" r:id="rId38"/>
-    <p:sldId id="286" r:id="rId39"/>
-    <p:sldId id="285" r:id="rId40"/>
+    <p:sldId id="335" r:id="rId39"/>
+    <p:sldId id="336" r:id="rId40"/>
+    <p:sldId id="337" r:id="rId41"/>
+    <p:sldId id="338" r:id="rId42"/>
+    <p:sldId id="339" r:id="rId43"/>
+    <p:sldId id="340" r:id="rId44"/>
+    <p:sldId id="286" r:id="rId45"/>
+    <p:sldId id="285" r:id="rId46"/>
   </p:sldIdLst>
   <p:sldSz cx="12192000" cy="6858000"/>
   <p:notesSz cx="6858000" cy="9144000"/>
@@ -187,6 +193,12 @@
             <p14:sldId id="332"/>
             <p14:sldId id="333"/>
             <p14:sldId id="334"/>
+            <p14:sldId id="335"/>
+            <p14:sldId id="336"/>
+            <p14:sldId id="337"/>
+            <p14:sldId id="338"/>
+            <p14:sldId id="339"/>
+            <p14:sldId id="340"/>
             <p14:sldId id="286"/>
             <p14:sldId id="285"/>
           </p14:sldIdLst>
@@ -293,7 +305,7 @@
           <a:p>
             <a:fld id="{FED81A67-A27B-4083-940C-241E42A8E894}" type="datetimeFigureOut">
               <a:rPr lang="en-US" smtClean="0"/>
-              <a:t>3/24/2025</a:t>
+              <a:t>3/30/2025</a:t>
             </a:fld>
             <a:endParaRPr lang="en-US"/>
           </a:p>
@@ -5243,6 +5255,995 @@
 </p:notes>
 </file>
 
+<file path=ppt/notesSlides/notesSlide28.xml><?xml version="1.0" encoding="utf-8"?>
+<p:notes xmlns:a="http://schemas.openxmlformats.org/drawingml/2006/main" xmlns:r="http://schemas.openxmlformats.org/officeDocument/2006/relationships" xmlns:p="http://schemas.openxmlformats.org/presentationml/2006/main">
+  <p:cSld>
+    <p:spTree>
+      <p:nvGrpSpPr>
+        <p:cNvPr id="1" name=""/>
+        <p:cNvGrpSpPr/>
+        <p:nvPr/>
+      </p:nvGrpSpPr>
+      <p:grpSpPr>
+        <a:xfrm>
+          <a:off x="0" y="0"/>
+          <a:ext cx="0" cy="0"/>
+          <a:chOff x="0" y="0"/>
+          <a:chExt cx="0" cy="0"/>
+        </a:xfrm>
+      </p:grpSpPr>
+      <p:sp>
+        <p:nvSpPr>
+          <p:cNvPr id="2" name="Slide Image Placeholder 1"/>
+          <p:cNvSpPr>
+            <a:spLocks noGrp="1" noRot="1" noChangeAspect="1"/>
+          </p:cNvSpPr>
+          <p:nvPr>
+            <p:ph type="sldImg"/>
+          </p:nvPr>
+        </p:nvSpPr>
+        <p:spPr/>
+      </p:sp>
+      <p:sp>
+        <p:nvSpPr>
+          <p:cNvPr id="3" name="Notes Placeholder 2"/>
+          <p:cNvSpPr>
+            <a:spLocks noGrp="1"/>
+          </p:cNvSpPr>
+          <p:nvPr>
+            <p:ph type="body" idx="1"/>
+          </p:nvPr>
+        </p:nvSpPr>
+        <p:spPr/>
+        <p:txBody>
+          <a:bodyPr/>
+          <a:lstStyle/>
+          <a:p>
+            <a:r>
+              <a:rPr lang="ru-RU" b="0" i="0" dirty="0">
+                <a:solidFill>
+                  <a:srgbClr val="333333"/>
+                </a:solidFill>
+                <a:effectLst/>
+                <a:latin typeface="-apple-system"/>
+              </a:rPr>
+              <a:t>Одной из причин, почему сообщения подтверждения </a:t>
+            </a:r>
+            <a:r>
+              <a:rPr lang="ru-RU" b="0" i="0" dirty="0" err="1">
+                <a:solidFill>
+                  <a:srgbClr val="333333"/>
+                </a:solidFill>
+                <a:effectLst/>
+                <a:latin typeface="-apple-system"/>
+              </a:rPr>
+              <a:t>инвалидаций</a:t>
+            </a:r>
+            <a:r>
+              <a:rPr lang="ru-RU" b="0" i="0" dirty="0">
+                <a:solidFill>
+                  <a:srgbClr val="333333"/>
+                </a:solidFill>
+                <a:effectLst/>
+                <a:latin typeface="-apple-system"/>
+              </a:rPr>
+              <a:t> (</a:t>
+            </a:r>
+            <a:r>
+              <a:rPr lang="ru-RU" b="0" i="0" dirty="0" err="1">
+                <a:solidFill>
+                  <a:srgbClr val="333333"/>
+                </a:solidFill>
+                <a:effectLst/>
+                <a:latin typeface="-apple-system"/>
+              </a:rPr>
+              <a:t>invalidate</a:t>
+            </a:r>
+            <a:r>
+              <a:rPr lang="ru-RU" b="0" i="0" dirty="0">
+                <a:solidFill>
+                  <a:srgbClr val="333333"/>
+                </a:solidFill>
+                <a:effectLst/>
+                <a:latin typeface="-apple-system"/>
+              </a:rPr>
+              <a:t> </a:t>
+            </a:r>
+            <a:r>
+              <a:rPr lang="ru-RU" b="0" i="0" dirty="0" err="1">
+                <a:solidFill>
+                  <a:srgbClr val="333333"/>
+                </a:solidFill>
+                <a:effectLst/>
+                <a:latin typeface="-apple-system"/>
+              </a:rPr>
+              <a:t>acknowledge</a:t>
+            </a:r>
+            <a:r>
+              <a:rPr lang="ru-RU" b="0" i="0" dirty="0">
+                <a:solidFill>
+                  <a:srgbClr val="333333"/>
+                </a:solidFill>
+                <a:effectLst/>
+                <a:latin typeface="-apple-system"/>
+              </a:rPr>
+              <a:t>) так тормозят, является то, что CPU должен быть уверен, что соответствующая кэш-линия действительно </a:t>
+            </a:r>
+            <a:r>
+              <a:rPr lang="ru-RU" b="0" i="0" dirty="0" err="1">
+                <a:solidFill>
+                  <a:srgbClr val="333333"/>
+                </a:solidFill>
+                <a:effectLst/>
+                <a:latin typeface="-apple-system"/>
+              </a:rPr>
+              <a:t>инвалидирована</a:t>
+            </a:r>
+            <a:r>
+              <a:rPr lang="ru-RU" b="0" i="0" dirty="0">
+                <a:solidFill>
+                  <a:srgbClr val="333333"/>
+                </a:solidFill>
+                <a:effectLst/>
+                <a:latin typeface="-apple-system"/>
+              </a:rPr>
+              <a:t>. Такая </a:t>
+            </a:r>
+            <a:r>
+              <a:rPr lang="ru-RU" b="0" i="0" dirty="0" err="1">
+                <a:solidFill>
+                  <a:srgbClr val="333333"/>
+                </a:solidFill>
+                <a:effectLst/>
+                <a:latin typeface="-apple-system"/>
+              </a:rPr>
+              <a:t>инвалидация</a:t>
+            </a:r>
+            <a:r>
+              <a:rPr lang="ru-RU" b="0" i="0" dirty="0">
+                <a:solidFill>
+                  <a:srgbClr val="333333"/>
+                </a:solidFill>
+                <a:effectLst/>
+                <a:latin typeface="-apple-system"/>
+              </a:rPr>
+              <a:t> может быть довольно долгой, если кэш занят, например, если процессор интенсивно читает/пишет данные, которые все находятся в кэше. К тому же, в короткий интервал времени возникает целый поток сообщений </a:t>
+            </a:r>
+            <a:r>
+              <a:rPr lang="ru-RU" b="0" i="0" dirty="0" err="1">
+                <a:solidFill>
+                  <a:srgbClr val="333333"/>
+                </a:solidFill>
+                <a:effectLst/>
+                <a:latin typeface="-apple-system"/>
+              </a:rPr>
+              <a:t>инвалидации</a:t>
+            </a:r>
+            <a:r>
+              <a:rPr lang="ru-RU" b="0" i="0" dirty="0">
+                <a:solidFill>
+                  <a:srgbClr val="333333"/>
+                </a:solidFill>
+                <a:effectLst/>
+                <a:latin typeface="-apple-system"/>
+              </a:rPr>
+              <a:t>, CPU может не справляться с ними, что приводит к простою остальных CPU.</a:t>
+            </a:r>
+            <a:br>
+              <a:rPr lang="ru-RU" dirty="0"/>
+            </a:br>
+            <a:r>
+              <a:rPr lang="ru-RU" b="0" i="0" dirty="0">
+                <a:solidFill>
+                  <a:srgbClr val="333333"/>
+                </a:solidFill>
+                <a:effectLst/>
+                <a:latin typeface="-apple-system"/>
+              </a:rPr>
+              <a:t>Однако CPU не обязательно </a:t>
+            </a:r>
+            <a:r>
+              <a:rPr lang="ru-RU" b="0" i="0" dirty="0" err="1">
+                <a:solidFill>
+                  <a:srgbClr val="333333"/>
+                </a:solidFill>
+                <a:effectLst/>
+                <a:latin typeface="-apple-system"/>
+              </a:rPr>
+              <a:t>инвалидировать</a:t>
+            </a:r>
+            <a:r>
+              <a:rPr lang="ru-RU" b="0" i="0" dirty="0">
+                <a:solidFill>
+                  <a:srgbClr val="333333"/>
+                </a:solidFill>
+                <a:effectLst/>
+                <a:latin typeface="-apple-system"/>
+              </a:rPr>
+              <a:t> кэш-линию перед посылкой подтверждения. Он может поместить </a:t>
+            </a:r>
+            <a:r>
+              <a:rPr lang="ru-RU" b="0" i="0" dirty="0" err="1">
+                <a:solidFill>
+                  <a:srgbClr val="333333"/>
+                </a:solidFill>
+                <a:effectLst/>
+                <a:latin typeface="-apple-system"/>
+              </a:rPr>
+              <a:t>invalidate</a:t>
+            </a:r>
+            <a:r>
+              <a:rPr lang="ru-RU" b="0" i="0" dirty="0">
+                <a:solidFill>
+                  <a:srgbClr val="333333"/>
+                </a:solidFill>
+                <a:effectLst/>
+                <a:latin typeface="-apple-system"/>
+              </a:rPr>
+              <a:t>-сообщение в очередь, конечно, с полным пониманием того, что это сообщение будет обработано прежде, чем процессор пошлет другие сообщения, касающиеся этой линии кэша.</a:t>
+            </a:r>
+          </a:p>
+          <a:p>
+            <a:r>
+              <a:rPr lang="ru-RU" b="0" i="0" dirty="0">
+                <a:solidFill>
+                  <a:srgbClr val="333333"/>
+                </a:solidFill>
+                <a:effectLst/>
+                <a:latin typeface="-apple-system"/>
+              </a:rPr>
+              <a:t>Рисунок справа показывает систему с очередью </a:t>
+            </a:r>
+            <a:r>
+              <a:rPr lang="ru-RU" b="0" i="0" dirty="0" err="1">
+                <a:solidFill>
+                  <a:srgbClr val="333333"/>
+                </a:solidFill>
+                <a:effectLst/>
+                <a:latin typeface="-apple-system"/>
+              </a:rPr>
+              <a:t>инвалидаций</a:t>
+            </a:r>
+            <a:r>
+              <a:rPr lang="ru-RU" b="0" i="0" dirty="0">
+                <a:solidFill>
+                  <a:srgbClr val="333333"/>
+                </a:solidFill>
+                <a:effectLst/>
+                <a:latin typeface="-apple-system"/>
+              </a:rPr>
+              <a:t> (</a:t>
+            </a:r>
+            <a:r>
+              <a:rPr lang="ru-RU" b="0" i="0" dirty="0" err="1">
+                <a:solidFill>
+                  <a:srgbClr val="333333"/>
+                </a:solidFill>
+                <a:effectLst/>
+                <a:latin typeface="-apple-system"/>
+              </a:rPr>
+              <a:t>invalidate</a:t>
+            </a:r>
+            <a:r>
+              <a:rPr lang="ru-RU" b="0" i="0" dirty="0">
+                <a:solidFill>
+                  <a:srgbClr val="333333"/>
+                </a:solidFill>
+                <a:effectLst/>
+                <a:latin typeface="-apple-system"/>
+              </a:rPr>
+              <a:t> </a:t>
+            </a:r>
+            <a:r>
+              <a:rPr lang="ru-RU" b="0" i="0" dirty="0" err="1">
+                <a:solidFill>
+                  <a:srgbClr val="333333"/>
+                </a:solidFill>
+                <a:effectLst/>
+                <a:latin typeface="-apple-system"/>
+              </a:rPr>
+              <a:t>queue</a:t>
+            </a:r>
+            <a:r>
+              <a:rPr lang="ru-RU" b="0" i="0" dirty="0">
+                <a:solidFill>
+                  <a:srgbClr val="333333"/>
+                </a:solidFill>
+                <a:effectLst/>
+                <a:latin typeface="-apple-system"/>
+              </a:rPr>
+              <a:t>). Процессор с </a:t>
+            </a:r>
+            <a:r>
+              <a:rPr lang="ru-RU" b="0" i="0" dirty="0" err="1">
+                <a:solidFill>
+                  <a:srgbClr val="333333"/>
+                </a:solidFill>
+                <a:effectLst/>
+                <a:latin typeface="-apple-system"/>
+              </a:rPr>
+              <a:t>invalidate</a:t>
+            </a:r>
+            <a:r>
+              <a:rPr lang="ru-RU" b="0" i="0" dirty="0">
+                <a:solidFill>
+                  <a:srgbClr val="333333"/>
+                </a:solidFill>
+                <a:effectLst/>
+                <a:latin typeface="-apple-system"/>
+              </a:rPr>
+              <a:t> </a:t>
+            </a:r>
+            <a:r>
+              <a:rPr lang="ru-RU" b="0" i="0" dirty="0" err="1">
+                <a:solidFill>
+                  <a:srgbClr val="333333"/>
+                </a:solidFill>
+                <a:effectLst/>
+                <a:latin typeface="-apple-system"/>
+              </a:rPr>
+              <a:t>queue</a:t>
+            </a:r>
+            <a:r>
+              <a:rPr lang="ru-RU" b="0" i="0" dirty="0">
+                <a:solidFill>
+                  <a:srgbClr val="333333"/>
+                </a:solidFill>
+                <a:effectLst/>
+                <a:latin typeface="-apple-system"/>
+              </a:rPr>
+              <a:t> может подтверждать </a:t>
+            </a:r>
+            <a:r>
+              <a:rPr lang="ru-RU" b="0" i="0" dirty="0" err="1">
+                <a:solidFill>
+                  <a:srgbClr val="333333"/>
+                </a:solidFill>
+                <a:effectLst/>
+                <a:latin typeface="-apple-system"/>
+              </a:rPr>
+              <a:t>invalidate</a:t>
+            </a:r>
+            <a:r>
+              <a:rPr lang="ru-RU" b="0" i="0" dirty="0">
+                <a:solidFill>
+                  <a:srgbClr val="333333"/>
+                </a:solidFill>
+                <a:effectLst/>
+                <a:latin typeface="-apple-system"/>
+              </a:rPr>
+              <a:t>-сообщения сразу, как только они будут появляться в очереди, вместо того, чтобы ждать, когда же кэш-линия </a:t>
+            </a:r>
+            <a:r>
+              <a:rPr lang="ru-RU" b="0" i="0" dirty="0" err="1">
+                <a:solidFill>
+                  <a:srgbClr val="333333"/>
+                </a:solidFill>
+                <a:effectLst/>
+                <a:latin typeface="-apple-system"/>
+              </a:rPr>
+              <a:t>инвалидируется</a:t>
+            </a:r>
+            <a:r>
+              <a:rPr lang="ru-RU" b="0" i="0" dirty="0">
+                <a:solidFill>
+                  <a:srgbClr val="333333"/>
+                </a:solidFill>
+                <a:effectLst/>
+                <a:latin typeface="-apple-system"/>
+              </a:rPr>
+              <a:t>. Разумеется, CPU должен согласовываться со своей очередью, когда он сам готовится послать </a:t>
+            </a:r>
+            <a:r>
+              <a:rPr lang="ru-RU" b="0" i="0" dirty="0" err="1">
+                <a:solidFill>
+                  <a:srgbClr val="333333"/>
+                </a:solidFill>
+                <a:effectLst/>
+                <a:latin typeface="-apple-system"/>
+              </a:rPr>
+              <a:t>invalidate</a:t>
+            </a:r>
+            <a:r>
+              <a:rPr lang="ru-RU" b="0" i="0" dirty="0">
+                <a:solidFill>
+                  <a:srgbClr val="333333"/>
+                </a:solidFill>
+                <a:effectLst/>
+                <a:latin typeface="-apple-system"/>
+              </a:rPr>
+              <a:t>-сообщение: если очередь уже содержит запись об </a:t>
+            </a:r>
+            <a:r>
+              <a:rPr lang="ru-RU" b="0" i="0" dirty="0" err="1">
+                <a:solidFill>
+                  <a:srgbClr val="333333"/>
+                </a:solidFill>
+                <a:effectLst/>
+                <a:latin typeface="-apple-system"/>
+              </a:rPr>
+              <a:t>инвалидации</a:t>
+            </a:r>
+            <a:r>
+              <a:rPr lang="ru-RU" b="0" i="0" dirty="0">
+                <a:solidFill>
+                  <a:srgbClr val="333333"/>
+                </a:solidFill>
+                <a:effectLst/>
+                <a:latin typeface="-apple-system"/>
+              </a:rPr>
+              <a:t> этой кэш-линии, процессор не может сразу посылать свое </a:t>
+            </a:r>
+            <a:r>
+              <a:rPr lang="ru-RU" b="0" i="0" dirty="0" err="1">
+                <a:solidFill>
+                  <a:srgbClr val="333333"/>
+                </a:solidFill>
+                <a:effectLst/>
+                <a:latin typeface="-apple-system"/>
+              </a:rPr>
+              <a:t>invalidate</a:t>
+            </a:r>
+            <a:r>
+              <a:rPr lang="ru-RU" b="0" i="0" dirty="0">
+                <a:solidFill>
+                  <a:srgbClr val="333333"/>
+                </a:solidFill>
+                <a:effectLst/>
+                <a:latin typeface="-apple-system"/>
+              </a:rPr>
+              <a:t>-сообщение. Вместо этого он должен ждать, пока не обработается соответствующая запись из очереди.</a:t>
+            </a:r>
+            <a:br>
+              <a:rPr lang="ru-RU" dirty="0"/>
+            </a:br>
+            <a:r>
+              <a:rPr lang="ru-RU" b="0" i="0" dirty="0">
+                <a:solidFill>
+                  <a:srgbClr val="333333"/>
+                </a:solidFill>
+                <a:effectLst/>
+                <a:latin typeface="-apple-system"/>
+              </a:rPr>
+              <a:t>Помещение элемента в </a:t>
+            </a:r>
+            <a:r>
+              <a:rPr lang="ru-RU" b="0" i="0" dirty="0" err="1">
+                <a:solidFill>
+                  <a:srgbClr val="333333"/>
+                </a:solidFill>
+                <a:effectLst/>
+                <a:latin typeface="-apple-system"/>
+              </a:rPr>
+              <a:t>invalidate</a:t>
+            </a:r>
+            <a:r>
+              <a:rPr lang="ru-RU" b="0" i="0" dirty="0">
+                <a:solidFill>
+                  <a:srgbClr val="333333"/>
+                </a:solidFill>
+                <a:effectLst/>
+                <a:latin typeface="-apple-system"/>
+              </a:rPr>
+              <a:t> </a:t>
+            </a:r>
+            <a:r>
+              <a:rPr lang="ru-RU" b="0" i="0" dirty="0" err="1">
+                <a:solidFill>
+                  <a:srgbClr val="333333"/>
+                </a:solidFill>
+                <a:effectLst/>
+                <a:latin typeface="-apple-system"/>
+              </a:rPr>
+              <a:t>queue</a:t>
+            </a:r>
+            <a:r>
+              <a:rPr lang="ru-RU" b="0" i="0" dirty="0">
+                <a:solidFill>
+                  <a:srgbClr val="333333"/>
+                </a:solidFill>
+                <a:effectLst/>
+                <a:latin typeface="-apple-system"/>
+              </a:rPr>
+              <a:t> – это по сути обещание процессора обработать данное </a:t>
+            </a:r>
+            <a:r>
+              <a:rPr lang="ru-RU" b="0" i="0" dirty="0" err="1">
+                <a:solidFill>
+                  <a:srgbClr val="333333"/>
+                </a:solidFill>
+                <a:effectLst/>
+                <a:latin typeface="-apple-system"/>
+              </a:rPr>
+              <a:t>invalidate</a:t>
+            </a:r>
+            <a:r>
+              <a:rPr lang="ru-RU" b="0" i="0" dirty="0">
+                <a:solidFill>
+                  <a:srgbClr val="333333"/>
+                </a:solidFill>
+                <a:effectLst/>
+                <a:latin typeface="-apple-system"/>
+              </a:rPr>
+              <a:t>-сообщение перед тем, как отправлять любой сигнал протокола MESI, относящийся к данной кэш-линии.</a:t>
+            </a:r>
+            <a:endParaRPr lang="en-US" dirty="0"/>
+          </a:p>
+        </p:txBody>
+      </p:sp>
+      <p:sp>
+        <p:nvSpPr>
+          <p:cNvPr id="4" name="Slide Number Placeholder 3"/>
+          <p:cNvSpPr>
+            <a:spLocks noGrp="1"/>
+          </p:cNvSpPr>
+          <p:nvPr>
+            <p:ph type="sldNum" sz="quarter" idx="5"/>
+          </p:nvPr>
+        </p:nvSpPr>
+        <p:spPr/>
+        <p:txBody>
+          <a:bodyPr/>
+          <a:lstStyle/>
+          <a:p>
+            <a:fld id="{8740D86D-1409-43B0-8811-9A559436DAB5}" type="slidenum">
+              <a:rPr lang="en-US" smtClean="0"/>
+              <a:t>38</a:t>
+            </a:fld>
+            <a:endParaRPr lang="en-US"/>
+          </a:p>
+        </p:txBody>
+      </p:sp>
+    </p:spTree>
+    <p:extLst>
+      <p:ext uri="{BB962C8B-B14F-4D97-AF65-F5344CB8AC3E}">
+        <p14:creationId xmlns:p14="http://schemas.microsoft.com/office/powerpoint/2010/main" val="2121576665"/>
+      </p:ext>
+    </p:extLst>
+  </p:cSld>
+  <p:clrMapOvr>
+    <a:masterClrMapping/>
+  </p:clrMapOvr>
+</p:notes>
+</file>
+
+<file path=ppt/notesSlides/notesSlide29.xml><?xml version="1.0" encoding="utf-8"?>
+<p:notes xmlns:a="http://schemas.openxmlformats.org/drawingml/2006/main" xmlns:r="http://schemas.openxmlformats.org/officeDocument/2006/relationships" xmlns:p="http://schemas.openxmlformats.org/presentationml/2006/main">
+  <p:cSld>
+    <p:spTree>
+      <p:nvGrpSpPr>
+        <p:cNvPr id="1" name=""/>
+        <p:cNvGrpSpPr/>
+        <p:nvPr/>
+      </p:nvGrpSpPr>
+      <p:grpSpPr>
+        <a:xfrm>
+          <a:off x="0" y="0"/>
+          <a:ext cx="0" cy="0"/>
+          <a:chOff x="0" y="0"/>
+          <a:chExt cx="0" cy="0"/>
+        </a:xfrm>
+      </p:grpSpPr>
+      <p:sp>
+        <p:nvSpPr>
+          <p:cNvPr id="2" name="Slide Image Placeholder 1"/>
+          <p:cNvSpPr>
+            <a:spLocks noGrp="1" noRot="1" noChangeAspect="1"/>
+          </p:cNvSpPr>
+          <p:nvPr>
+            <p:ph type="sldImg"/>
+          </p:nvPr>
+        </p:nvSpPr>
+        <p:spPr/>
+      </p:sp>
+      <p:sp>
+        <p:nvSpPr>
+          <p:cNvPr id="3" name="Notes Placeholder 2"/>
+          <p:cNvSpPr>
+            <a:spLocks noGrp="1"/>
+          </p:cNvSpPr>
+          <p:nvPr>
+            <p:ph type="body" idx="1"/>
+          </p:nvPr>
+        </p:nvSpPr>
+        <p:spPr/>
+        <p:txBody>
+          <a:bodyPr/>
+          <a:lstStyle/>
+          <a:p>
+            <a:pPr marL="228600" indent="-228600">
+              <a:buAutoNum type="arabicPeriod"/>
+            </a:pPr>
+            <a:r>
+              <a:rPr lang="en-US" dirty="0"/>
+              <a:t>CPU 0 </a:t>
+            </a:r>
+            <a:r>
+              <a:rPr lang="ru-RU" dirty="0"/>
+              <a:t>выполняет </a:t>
+            </a:r>
+            <a:r>
+              <a:rPr lang="en-US" dirty="0"/>
+              <a:t>a=1. </a:t>
+            </a:r>
+            <a:r>
+              <a:rPr lang="ru-RU" dirty="0"/>
+              <a:t>Переменная находится в кеше в </a:t>
+            </a:r>
+            <a:r>
+              <a:rPr lang="en-US" dirty="0"/>
+              <a:t>Shared </a:t>
+            </a:r>
+            <a:r>
+              <a:rPr lang="ru-RU" dirty="0"/>
+              <a:t>состоянии и </a:t>
+            </a:r>
+            <a:r>
+              <a:rPr lang="en-US" dirty="0"/>
+              <a:t>CPU 0 </a:t>
+            </a:r>
+            <a:r>
+              <a:rPr lang="ru-RU" dirty="0"/>
+              <a:t>помещает новое значение в </a:t>
+            </a:r>
+            <a:r>
+              <a:rPr lang="en-US" dirty="0"/>
+              <a:t>store buffer </a:t>
+            </a:r>
+            <a:r>
+              <a:rPr lang="ru-RU" dirty="0"/>
+              <a:t>и отправляет сообщение </a:t>
+            </a:r>
+            <a:r>
+              <a:rPr lang="en-US" dirty="0"/>
+              <a:t>invalidate</a:t>
+            </a:r>
+            <a:r>
+              <a:rPr lang="ru-RU" dirty="0"/>
+              <a:t>, чтобы удалить кеш-линию из </a:t>
+            </a:r>
+            <a:r>
+              <a:rPr lang="en-US" dirty="0"/>
+              <a:t>CPU 1</a:t>
+            </a:r>
+          </a:p>
+          <a:p>
+            <a:pPr marL="228600" indent="-228600">
+              <a:buAutoNum type="arabicPeriod"/>
+            </a:pPr>
+            <a:r>
+              <a:rPr lang="en-US" dirty="0"/>
+              <a:t>CPU 1 </a:t>
+            </a:r>
+            <a:r>
+              <a:rPr lang="ru-RU" dirty="0"/>
+              <a:t>выполняет </a:t>
+            </a:r>
+            <a:r>
+              <a:rPr lang="en-US" dirty="0"/>
+              <a:t>while (b == 0) continue</a:t>
+            </a:r>
+            <a:r>
+              <a:rPr lang="ru-RU" dirty="0"/>
+              <a:t>, но в его кеше нет переменной и. Поэтому он отправляет сообщение </a:t>
+            </a:r>
+            <a:r>
+              <a:rPr lang="en-US" dirty="0"/>
+              <a:t>“read”</a:t>
+            </a:r>
+          </a:p>
+          <a:p>
+            <a:pPr marL="228600" indent="-228600">
+              <a:buAutoNum type="arabicPeriod"/>
+            </a:pPr>
+            <a:r>
+              <a:rPr lang="en-US" dirty="0"/>
+              <a:t>CPU 0 </a:t>
+            </a:r>
+            <a:r>
+              <a:rPr lang="ru-RU" dirty="0"/>
+              <a:t>выполняет </a:t>
+            </a:r>
+            <a:r>
+              <a:rPr lang="en-US" dirty="0"/>
+              <a:t>b = 1. </a:t>
+            </a:r>
+            <a:r>
+              <a:rPr lang="ru-RU" dirty="0"/>
+              <a:t>Он уже владеет этой линией (состояния </a:t>
+            </a:r>
+            <a:r>
+              <a:rPr lang="en-US" dirty="0"/>
+              <a:t>M</a:t>
+            </a:r>
+            <a:r>
+              <a:rPr lang="ru-RU" dirty="0"/>
+              <a:t> или </a:t>
+            </a:r>
+            <a:r>
+              <a:rPr lang="en-US" dirty="0"/>
+              <a:t>E)</a:t>
+            </a:r>
+            <a:r>
+              <a:rPr lang="ru-RU" dirty="0"/>
+              <a:t>, поэтому сохраняет </a:t>
+            </a:r>
+            <a:r>
+              <a:rPr lang="en-US" dirty="0"/>
+              <a:t>b=1 </a:t>
+            </a:r>
+            <a:r>
+              <a:rPr lang="ru-RU" dirty="0"/>
+              <a:t>в кеш-линию.</a:t>
+            </a:r>
+            <a:endParaRPr lang="en-US" dirty="0"/>
+          </a:p>
+          <a:p>
+            <a:pPr marL="228600" indent="-228600">
+              <a:buAutoNum type="arabicPeriod"/>
+            </a:pPr>
+            <a:r>
+              <a:rPr lang="en-US" dirty="0"/>
+              <a:t>CPU 0 </a:t>
+            </a:r>
+            <a:r>
+              <a:rPr lang="ru-RU" dirty="0"/>
+              <a:t>получает </a:t>
+            </a:r>
+            <a:r>
+              <a:rPr lang="en-US" dirty="0"/>
+              <a:t>Read(b)</a:t>
+            </a:r>
+            <a:r>
+              <a:rPr lang="ru-RU" dirty="0"/>
+              <a:t>, отправляет</a:t>
+            </a:r>
+            <a:r>
+              <a:rPr lang="en-US" dirty="0"/>
+              <a:t> </a:t>
+            </a:r>
+            <a:r>
+              <a:rPr lang="ru-RU" dirty="0"/>
+              <a:t>значение </a:t>
+            </a:r>
+            <a:r>
+              <a:rPr lang="en-US" dirty="0"/>
+              <a:t>b=1</a:t>
+            </a:r>
+            <a:r>
+              <a:rPr lang="ru-RU" dirty="0"/>
+              <a:t> и переводит кеш-линию в состояние </a:t>
+            </a:r>
+            <a:r>
+              <a:rPr lang="en-US" dirty="0"/>
+              <a:t>shared</a:t>
+            </a:r>
+          </a:p>
+          <a:p>
+            <a:pPr marL="228600" indent="-228600">
+              <a:buAutoNum type="arabicPeriod"/>
+            </a:pPr>
+            <a:r>
+              <a:rPr lang="en-US" dirty="0"/>
+              <a:t>CPU 1 </a:t>
+            </a:r>
+            <a:r>
+              <a:rPr lang="ru-RU" dirty="0"/>
+              <a:t>получает </a:t>
+            </a:r>
+            <a:r>
+              <a:rPr lang="en-US" dirty="0"/>
+              <a:t>Invalidate(a)</a:t>
+            </a:r>
+            <a:r>
+              <a:rPr lang="ru-RU" dirty="0"/>
+              <a:t>, помещает в очередь </a:t>
+            </a:r>
+            <a:r>
+              <a:rPr lang="ru-RU" dirty="0" err="1"/>
+              <a:t>инвалидации</a:t>
+            </a:r>
+            <a:r>
+              <a:rPr lang="ru-RU" dirty="0"/>
+              <a:t> и отправляет </a:t>
+            </a:r>
+            <a:r>
+              <a:rPr lang="en-US" dirty="0"/>
+              <a:t>Invalidate Acknowledge. </a:t>
+            </a:r>
+            <a:r>
+              <a:rPr lang="ru-RU" dirty="0"/>
+              <a:t>Прежнее значение </a:t>
+            </a:r>
+            <a:r>
+              <a:rPr lang="en-US" dirty="0"/>
+              <a:t>a </a:t>
+            </a:r>
+            <a:r>
+              <a:rPr lang="ru-RU" dirty="0"/>
+              <a:t>всё еще в кеше </a:t>
+            </a:r>
+            <a:r>
+              <a:rPr lang="en-US" dirty="0"/>
+              <a:t>CPU1</a:t>
+            </a:r>
+          </a:p>
+          <a:p>
+            <a:pPr marL="228600" indent="-228600">
+              <a:buAutoNum type="arabicPeriod"/>
+            </a:pPr>
+            <a:r>
+              <a:rPr lang="en-US" dirty="0"/>
+              <a:t>CPU 1</a:t>
+            </a:r>
+            <a:r>
+              <a:rPr lang="ru-RU" dirty="0"/>
+              <a:t> получает </a:t>
+            </a:r>
+            <a:r>
+              <a:rPr lang="en-US" dirty="0" err="1"/>
+              <a:t>ReadResponse</a:t>
+            </a:r>
+            <a:r>
+              <a:rPr lang="en-US" dirty="0"/>
+              <a:t>(b=1)</a:t>
+            </a:r>
+            <a:r>
+              <a:rPr lang="ru-RU" dirty="0"/>
+              <a:t> и сохраняет в своем кеше</a:t>
+            </a:r>
+          </a:p>
+          <a:p>
+            <a:pPr marL="228600" indent="-228600">
+              <a:buAutoNum type="arabicPeriod"/>
+            </a:pPr>
+            <a:r>
+              <a:rPr lang="ru-RU" dirty="0"/>
+              <a:t>Теперь </a:t>
+            </a:r>
+            <a:r>
+              <a:rPr lang="en-US" dirty="0"/>
+              <a:t>CPU 1 </a:t>
+            </a:r>
+            <a:r>
+              <a:rPr lang="ru-RU" dirty="0"/>
+              <a:t>может завершить выполнять </a:t>
+            </a:r>
+            <a:r>
+              <a:rPr lang="en-US" dirty="0"/>
+              <a:t>while(b==1) continue;</a:t>
+            </a:r>
+            <a:endParaRPr lang="ru-RU" dirty="0"/>
+          </a:p>
+          <a:p>
+            <a:pPr marL="228600" indent="-228600">
+              <a:buAutoNum type="arabicPeriod"/>
+            </a:pPr>
+            <a:r>
+              <a:rPr lang="en-US" dirty="0"/>
+              <a:t>CPU 1</a:t>
+            </a:r>
+            <a:r>
+              <a:rPr lang="ru-RU" dirty="0"/>
+              <a:t> выполняет</a:t>
+            </a:r>
+            <a:r>
+              <a:rPr lang="en-US" dirty="0"/>
+              <a:t> assert(a == 1); </a:t>
+            </a:r>
+            <a:r>
+              <a:rPr lang="ru-RU" dirty="0"/>
+              <a:t>а так как в кеше содержится старое значение</a:t>
+            </a:r>
+            <a:r>
+              <a:rPr lang="en-US" dirty="0"/>
+              <a:t> a == 0</a:t>
+            </a:r>
+            <a:r>
+              <a:rPr lang="ru-RU" dirty="0"/>
+              <a:t>, то </a:t>
+            </a:r>
+            <a:r>
+              <a:rPr lang="ru-RU" dirty="0" err="1"/>
+              <a:t>ассерт</a:t>
+            </a:r>
+            <a:r>
+              <a:rPr lang="ru-RU" dirty="0"/>
+              <a:t> выстреливает</a:t>
+            </a:r>
+          </a:p>
+          <a:p>
+            <a:pPr marL="228600" indent="-228600">
+              <a:buAutoNum type="arabicPeriod"/>
+            </a:pPr>
+            <a:r>
+              <a:rPr lang="en-US" dirty="0"/>
+              <a:t>CPU 1 </a:t>
+            </a:r>
+            <a:r>
+              <a:rPr lang="ru-RU" dirty="0"/>
+              <a:t>обрабатывает </a:t>
+            </a:r>
+            <a:r>
+              <a:rPr lang="en-US" dirty="0"/>
+              <a:t>Invalidate(a) </a:t>
+            </a:r>
+            <a:r>
+              <a:rPr lang="ru-RU" dirty="0"/>
+              <a:t>и удаляет старое значение </a:t>
+            </a:r>
+            <a:r>
+              <a:rPr lang="en-US" dirty="0"/>
+              <a:t>a=0</a:t>
+            </a:r>
+            <a:r>
+              <a:rPr lang="ru-RU" dirty="0"/>
+              <a:t> из своего кеша, но уже поздно</a:t>
+            </a:r>
+          </a:p>
+          <a:p>
+            <a:pPr marL="228600" indent="-228600">
+              <a:buAutoNum type="arabicPeriod"/>
+            </a:pPr>
+            <a:r>
+              <a:rPr lang="en-US" dirty="0"/>
+              <a:t>CPU 1 </a:t>
+            </a:r>
+            <a:r>
+              <a:rPr lang="ru-RU" dirty="0"/>
+              <a:t>получает </a:t>
+            </a:r>
+            <a:r>
+              <a:rPr lang="en-US" dirty="0"/>
+              <a:t>Invalidate Acknowledge </a:t>
+            </a:r>
+            <a:r>
+              <a:rPr lang="ru-RU" dirty="0"/>
+              <a:t>и применяет буферизированную операцию сохранения </a:t>
+            </a:r>
+            <a:r>
+              <a:rPr lang="en-US" dirty="0"/>
+              <a:t>a=1</a:t>
+            </a:r>
+          </a:p>
+        </p:txBody>
+      </p:sp>
+      <p:sp>
+        <p:nvSpPr>
+          <p:cNvPr id="4" name="Slide Number Placeholder 3"/>
+          <p:cNvSpPr>
+            <a:spLocks noGrp="1"/>
+          </p:cNvSpPr>
+          <p:nvPr>
+            <p:ph type="sldNum" sz="quarter" idx="5"/>
+          </p:nvPr>
+        </p:nvSpPr>
+        <p:spPr/>
+        <p:txBody>
+          <a:bodyPr/>
+          <a:lstStyle/>
+          <a:p>
+            <a:fld id="{8740D86D-1409-43B0-8811-9A559436DAB5}" type="slidenum">
+              <a:rPr lang="en-US" smtClean="0"/>
+              <a:t>39</a:t>
+            </a:fld>
+            <a:endParaRPr lang="en-US"/>
+          </a:p>
+        </p:txBody>
+      </p:sp>
+    </p:spTree>
+    <p:extLst>
+      <p:ext uri="{BB962C8B-B14F-4D97-AF65-F5344CB8AC3E}">
+        <p14:creationId xmlns:p14="http://schemas.microsoft.com/office/powerpoint/2010/main" val="501153965"/>
+      </p:ext>
+    </p:extLst>
+  </p:cSld>
+  <p:clrMapOvr>
+    <a:masterClrMapping/>
+  </p:clrMapOvr>
+</p:notes>
+</file>
+
 <file path=ppt/notesSlides/notesSlide3.xml><?xml version="1.0" encoding="utf-8"?>
 <p:notes xmlns:a="http://schemas.openxmlformats.org/drawingml/2006/main" xmlns:r="http://schemas.openxmlformats.org/officeDocument/2006/relationships" xmlns:p="http://schemas.openxmlformats.org/presentationml/2006/main">
   <p:cSld>
@@ -5334,6 +6335,213 @@
     <p:extLst>
       <p:ext uri="{BB962C8B-B14F-4D97-AF65-F5344CB8AC3E}">
         <p14:creationId xmlns:p14="http://schemas.microsoft.com/office/powerpoint/2010/main" val="2673319666"/>
+      </p:ext>
+    </p:extLst>
+  </p:cSld>
+  <p:clrMapOvr>
+    <a:masterClrMapping/>
+  </p:clrMapOvr>
+</p:notes>
+</file>
+
+<file path=ppt/notesSlides/notesSlide30.xml><?xml version="1.0" encoding="utf-8"?>
+<p:notes xmlns:a="http://schemas.openxmlformats.org/drawingml/2006/main" xmlns:r="http://schemas.openxmlformats.org/officeDocument/2006/relationships" xmlns:p="http://schemas.openxmlformats.org/presentationml/2006/main">
+  <p:cSld>
+    <p:spTree>
+      <p:nvGrpSpPr>
+        <p:cNvPr id="1" name="">
+          <a:extLst>
+            <a:ext uri="{FF2B5EF4-FFF2-40B4-BE49-F238E27FC236}">
+              <a16:creationId xmlns:a16="http://schemas.microsoft.com/office/drawing/2014/main" id="{7AF4DFAB-6E92-68BF-78F4-024A2736DFF6}"/>
+            </a:ext>
+          </a:extLst>
+        </p:cNvPr>
+        <p:cNvGrpSpPr/>
+        <p:nvPr/>
+      </p:nvGrpSpPr>
+      <p:grpSpPr>
+        <a:xfrm>
+          <a:off x="0" y="0"/>
+          <a:ext cx="0" cy="0"/>
+          <a:chOff x="0" y="0"/>
+          <a:chExt cx="0" cy="0"/>
+        </a:xfrm>
+      </p:grpSpPr>
+      <p:sp>
+        <p:nvSpPr>
+          <p:cNvPr id="2" name="Slide Image Placeholder 1">
+            <a:extLst>
+              <a:ext uri="{FF2B5EF4-FFF2-40B4-BE49-F238E27FC236}">
+                <a16:creationId xmlns:a16="http://schemas.microsoft.com/office/drawing/2014/main" id="{C2EE8D46-32DA-190D-45E2-75A47E2A667F}"/>
+              </a:ext>
+            </a:extLst>
+          </p:cNvPr>
+          <p:cNvSpPr>
+            <a:spLocks noGrp="1" noRot="1" noChangeAspect="1"/>
+          </p:cNvSpPr>
+          <p:nvPr>
+            <p:ph type="sldImg"/>
+          </p:nvPr>
+        </p:nvSpPr>
+        <p:spPr/>
+      </p:sp>
+      <p:sp>
+        <p:nvSpPr>
+          <p:cNvPr id="3" name="Notes Placeholder 2">
+            <a:extLst>
+              <a:ext uri="{FF2B5EF4-FFF2-40B4-BE49-F238E27FC236}">
+                <a16:creationId xmlns:a16="http://schemas.microsoft.com/office/drawing/2014/main" id="{FC15803C-F282-EF7C-8FA5-FC841D258199}"/>
+              </a:ext>
+            </a:extLst>
+          </p:cNvPr>
+          <p:cNvSpPr>
+            <a:spLocks noGrp="1"/>
+          </p:cNvSpPr>
+          <p:nvPr>
+            <p:ph type="body" idx="1"/>
+          </p:nvPr>
+        </p:nvSpPr>
+        <p:spPr/>
+        <p:txBody>
+          <a:bodyPr/>
+          <a:lstStyle/>
+          <a:p>
+            <a:r>
+              <a:rPr lang="en-US" dirty="0"/>
+              <a:t>CPU 1 executes the </a:t>
+            </a:r>
+            <a:r>
+              <a:rPr lang="en-US" b="1" dirty="0" err="1"/>
+              <a:t>smp_mb</a:t>
+            </a:r>
+            <a:r>
+              <a:rPr lang="en-US" b="1" dirty="0"/>
+              <a:t>()</a:t>
+            </a:r>
+            <a:r>
+              <a:rPr lang="en-US" dirty="0"/>
+              <a:t>, marking the entry in its invalidate queue. </a:t>
+            </a:r>
+          </a:p>
+        </p:txBody>
+      </p:sp>
+      <p:sp>
+        <p:nvSpPr>
+          <p:cNvPr id="4" name="Slide Number Placeholder 3">
+            <a:extLst>
+              <a:ext uri="{FF2B5EF4-FFF2-40B4-BE49-F238E27FC236}">
+                <a16:creationId xmlns:a16="http://schemas.microsoft.com/office/drawing/2014/main" id="{7278DF47-D414-040D-024B-B350DF6A7C70}"/>
+              </a:ext>
+            </a:extLst>
+          </p:cNvPr>
+          <p:cNvSpPr>
+            <a:spLocks noGrp="1"/>
+          </p:cNvSpPr>
+          <p:nvPr>
+            <p:ph type="sldNum" sz="quarter" idx="5"/>
+          </p:nvPr>
+        </p:nvSpPr>
+        <p:spPr/>
+        <p:txBody>
+          <a:bodyPr/>
+          <a:lstStyle/>
+          <a:p>
+            <a:fld id="{8740D86D-1409-43B0-8811-9A559436DAB5}" type="slidenum">
+              <a:rPr lang="en-US" smtClean="0"/>
+              <a:t>40</a:t>
+            </a:fld>
+            <a:endParaRPr lang="en-US"/>
+          </a:p>
+        </p:txBody>
+      </p:sp>
+    </p:spTree>
+    <p:extLst>
+      <p:ext uri="{BB962C8B-B14F-4D97-AF65-F5344CB8AC3E}">
+        <p14:creationId xmlns:p14="http://schemas.microsoft.com/office/powerpoint/2010/main" val="2504440043"/>
+      </p:ext>
+    </p:extLst>
+  </p:cSld>
+  <p:clrMapOvr>
+    <a:masterClrMapping/>
+  </p:clrMapOvr>
+</p:notes>
+</file>
+
+<file path=ppt/notesSlides/notesSlide31.xml><?xml version="1.0" encoding="utf-8"?>
+<p:notes xmlns:a="http://schemas.openxmlformats.org/drawingml/2006/main" xmlns:r="http://schemas.openxmlformats.org/officeDocument/2006/relationships" xmlns:p="http://schemas.openxmlformats.org/presentationml/2006/main">
+  <p:cSld>
+    <p:spTree>
+      <p:nvGrpSpPr>
+        <p:cNvPr id="1" name=""/>
+        <p:cNvGrpSpPr/>
+        <p:nvPr/>
+      </p:nvGrpSpPr>
+      <p:grpSpPr>
+        <a:xfrm>
+          <a:off x="0" y="0"/>
+          <a:ext cx="0" cy="0"/>
+          <a:chOff x="0" y="0"/>
+          <a:chExt cx="0" cy="0"/>
+        </a:xfrm>
+      </p:grpSpPr>
+      <p:sp>
+        <p:nvSpPr>
+          <p:cNvPr id="2" name="Slide Image Placeholder 1"/>
+          <p:cNvSpPr>
+            <a:spLocks noGrp="1" noRot="1" noChangeAspect="1"/>
+          </p:cNvSpPr>
+          <p:nvPr>
+            <p:ph type="sldImg"/>
+          </p:nvPr>
+        </p:nvSpPr>
+        <p:spPr/>
+      </p:sp>
+      <p:sp>
+        <p:nvSpPr>
+          <p:cNvPr id="3" name="Notes Placeholder 2"/>
+          <p:cNvSpPr>
+            <a:spLocks noGrp="1"/>
+          </p:cNvSpPr>
+          <p:nvPr>
+            <p:ph type="body" idx="1"/>
+          </p:nvPr>
+        </p:nvSpPr>
+        <p:spPr/>
+        <p:txBody>
+          <a:bodyPr/>
+          <a:lstStyle/>
+          <a:p>
+            <a:endParaRPr lang="en-US" dirty="0"/>
+          </a:p>
+        </p:txBody>
+      </p:sp>
+      <p:sp>
+        <p:nvSpPr>
+          <p:cNvPr id="4" name="Slide Number Placeholder 3"/>
+          <p:cNvSpPr>
+            <a:spLocks noGrp="1"/>
+          </p:cNvSpPr>
+          <p:nvPr>
+            <p:ph type="sldNum" sz="quarter" idx="5"/>
+          </p:nvPr>
+        </p:nvSpPr>
+        <p:spPr/>
+        <p:txBody>
+          <a:bodyPr/>
+          <a:lstStyle/>
+          <a:p>
+            <a:fld id="{8740D86D-1409-43B0-8811-9A559436DAB5}" type="slidenum">
+              <a:rPr lang="en-US" smtClean="0"/>
+              <a:t>43</a:t>
+            </a:fld>
+            <a:endParaRPr lang="en-US"/>
+          </a:p>
+        </p:txBody>
+      </p:sp>
+    </p:spTree>
+    <p:extLst>
+      <p:ext uri="{BB962C8B-B14F-4D97-AF65-F5344CB8AC3E}">
+        <p14:creationId xmlns:p14="http://schemas.microsoft.com/office/powerpoint/2010/main" val="2739884729"/>
       </p:ext>
     </p:extLst>
   </p:cSld>
@@ -6781,7 +7989,7 @@
           <a:p>
             <a:fld id="{93C95F23-F574-4C00-9B25-D94C8E69B068}" type="datetimeFigureOut">
               <a:rPr lang="en-US" smtClean="0"/>
-              <a:t>3/24/2025</a:t>
+              <a:t>3/30/2025</a:t>
             </a:fld>
             <a:endParaRPr lang="en-US"/>
           </a:p>
@@ -6979,7 +8187,7 @@
           <a:p>
             <a:fld id="{93C95F23-F574-4C00-9B25-D94C8E69B068}" type="datetimeFigureOut">
               <a:rPr lang="en-US" smtClean="0"/>
-              <a:t>3/24/2025</a:t>
+              <a:t>3/30/2025</a:t>
             </a:fld>
             <a:endParaRPr lang="en-US"/>
           </a:p>
@@ -7187,7 +8395,7 @@
           <a:p>
             <a:fld id="{93C95F23-F574-4C00-9B25-D94C8E69B068}" type="datetimeFigureOut">
               <a:rPr lang="en-US" smtClean="0"/>
-              <a:t>3/24/2025</a:t>
+              <a:t>3/30/2025</a:t>
             </a:fld>
             <a:endParaRPr lang="en-US"/>
           </a:p>
@@ -7385,7 +8593,7 @@
           <a:p>
             <a:fld id="{93C95F23-F574-4C00-9B25-D94C8E69B068}" type="datetimeFigureOut">
               <a:rPr lang="en-US" smtClean="0"/>
-              <a:t>3/24/2025</a:t>
+              <a:t>3/30/2025</a:t>
             </a:fld>
             <a:endParaRPr lang="en-US"/>
           </a:p>
@@ -7660,7 +8868,7 @@
           <a:p>
             <a:fld id="{93C95F23-F574-4C00-9B25-D94C8E69B068}" type="datetimeFigureOut">
               <a:rPr lang="en-US" smtClean="0"/>
-              <a:t>3/24/2025</a:t>
+              <a:t>3/30/2025</a:t>
             </a:fld>
             <a:endParaRPr lang="en-US"/>
           </a:p>
@@ -7925,7 +9133,7 @@
           <a:p>
             <a:fld id="{93C95F23-F574-4C00-9B25-D94C8E69B068}" type="datetimeFigureOut">
               <a:rPr lang="en-US" smtClean="0"/>
-              <a:t>3/24/2025</a:t>
+              <a:t>3/30/2025</a:t>
             </a:fld>
             <a:endParaRPr lang="en-US"/>
           </a:p>
@@ -8337,7 +9545,7 @@
           <a:p>
             <a:fld id="{93C95F23-F574-4C00-9B25-D94C8E69B068}" type="datetimeFigureOut">
               <a:rPr lang="en-US" smtClean="0"/>
-              <a:t>3/24/2025</a:t>
+              <a:t>3/30/2025</a:t>
             </a:fld>
             <a:endParaRPr lang="en-US"/>
           </a:p>
@@ -8478,7 +9686,7 @@
           <a:p>
             <a:fld id="{93C95F23-F574-4C00-9B25-D94C8E69B068}" type="datetimeFigureOut">
               <a:rPr lang="en-US" smtClean="0"/>
-              <a:t>3/24/2025</a:t>
+              <a:t>3/30/2025</a:t>
             </a:fld>
             <a:endParaRPr lang="en-US"/>
           </a:p>
@@ -8591,7 +9799,7 @@
           <a:p>
             <a:fld id="{93C95F23-F574-4C00-9B25-D94C8E69B068}" type="datetimeFigureOut">
               <a:rPr lang="en-US" smtClean="0"/>
-              <a:t>3/24/2025</a:t>
+              <a:t>3/30/2025</a:t>
             </a:fld>
             <a:endParaRPr lang="en-US"/>
           </a:p>
@@ -8902,7 +10110,7 @@
           <a:p>
             <a:fld id="{93C95F23-F574-4C00-9B25-D94C8E69B068}" type="datetimeFigureOut">
               <a:rPr lang="en-US" smtClean="0"/>
-              <a:t>3/24/2025</a:t>
+              <a:t>3/30/2025</a:t>
             </a:fld>
             <a:endParaRPr lang="en-US"/>
           </a:p>
@@ -9190,7 +10398,7 @@
           <a:p>
             <a:fld id="{93C95F23-F574-4C00-9B25-D94C8E69B068}" type="datetimeFigureOut">
               <a:rPr lang="en-US" smtClean="0"/>
-              <a:t>3/24/2025</a:t>
+              <a:t>3/30/2025</a:t>
             </a:fld>
             <a:endParaRPr lang="en-US"/>
           </a:p>
@@ -9431,7 +10639,7 @@
           <a:p>
             <a:fld id="{93C95F23-F574-4C00-9B25-D94C8E69B068}" type="datetimeFigureOut">
               <a:rPr lang="en-US" smtClean="0"/>
-              <a:t>3/24/2025</a:t>
+              <a:t>3/30/2025</a:t>
             </a:fld>
             <a:endParaRPr lang="en-US"/>
           </a:p>
@@ -35939,7 +37147,7 @@
         <p:spPr>
           <a:xfrm>
             <a:off x="6553200" y="2063740"/>
-            <a:ext cx="6096000" cy="3416320"/>
+            <a:ext cx="5638800" cy="3416320"/>
           </a:xfrm>
           <a:prstGeom prst="rect">
             <a:avLst/>
@@ -35953,78 +37161,118 @@
           <a:lstStyle/>
           <a:p>
             <a:r>
-              <a:rPr lang="en-US" dirty="0"/>
+              <a:rPr lang="en-US" dirty="0">
+                <a:latin typeface="Consolas" panose="020B0609020204030204" pitchFamily="49" charset="0"/>
+              </a:rPr>
               <a:t>void foo()</a:t>
             </a:r>
           </a:p>
           <a:p>
             <a:r>
-              <a:rPr lang="en-US" dirty="0"/>
+              <a:rPr lang="en-US" dirty="0">
+                <a:latin typeface="Consolas" panose="020B0609020204030204" pitchFamily="49" charset="0"/>
+              </a:rPr>
               <a:t>{</a:t>
             </a:r>
           </a:p>
           <a:p>
             <a:r>
-              <a:rPr lang="en-US" dirty="0"/>
+              <a:rPr lang="en-US" dirty="0">
+                <a:latin typeface="Consolas" panose="020B0609020204030204" pitchFamily="49" charset="0"/>
+              </a:rPr>
               <a:t>	a = 1;</a:t>
             </a:r>
           </a:p>
           <a:p>
             <a:r>
-              <a:rPr lang="en-US" dirty="0"/>
+              <a:rPr lang="en-US" dirty="0">
+                <a:latin typeface="Consolas" panose="020B0609020204030204" pitchFamily="49" charset="0"/>
+              </a:rPr>
               <a:t>	</a:t>
             </a:r>
             <a:r>
-              <a:rPr lang="en-US" b="1" dirty="0" err="1"/>
+              <a:rPr lang="en-US" b="1" dirty="0" err="1">
+                <a:latin typeface="Consolas" panose="020B0609020204030204" pitchFamily="49" charset="0"/>
+              </a:rPr>
               <a:t>smp_mb</a:t>
             </a:r>
             <a:r>
-              <a:rPr lang="en-US" b="1" dirty="0"/>
+              <a:rPr lang="en-US" b="1" dirty="0">
+                <a:latin typeface="Consolas" panose="020B0609020204030204" pitchFamily="49" charset="0"/>
+              </a:rPr>
               <a:t>();</a:t>
             </a:r>
           </a:p>
           <a:p>
             <a:r>
-              <a:rPr lang="en-US" dirty="0"/>
-              <a:t>	b =1;</a:t>
-            </a:r>
-          </a:p>
-          <a:p>
-            <a:r>
-              <a:rPr lang="en-US" dirty="0"/>
+              <a:rPr lang="en-US" dirty="0">
+                <a:latin typeface="Consolas" panose="020B0609020204030204" pitchFamily="49" charset="0"/>
+              </a:rPr>
+              <a:t>	b =</a:t>
+            </a:r>
+            <a:r>
+              <a:rPr lang="ru-RU" dirty="0">
+                <a:latin typeface="Consolas" panose="020B0609020204030204" pitchFamily="49" charset="0"/>
+              </a:rPr>
+              <a:t> </a:t>
+            </a:r>
+            <a:r>
+              <a:rPr lang="en-US" dirty="0">
+                <a:latin typeface="Consolas" panose="020B0609020204030204" pitchFamily="49" charset="0"/>
+              </a:rPr>
+              <a:t>1;</a:t>
+            </a:r>
+          </a:p>
+          <a:p>
+            <a:r>
+              <a:rPr lang="en-US" dirty="0">
+                <a:latin typeface="Consolas" panose="020B0609020204030204" pitchFamily="49" charset="0"/>
+              </a:rPr>
               <a:t>}</a:t>
             </a:r>
           </a:p>
           <a:p>
-            <a:endParaRPr lang="ru-RU" dirty="0"/>
-          </a:p>
-          <a:p>
-            <a:r>
-              <a:rPr lang="en-US" dirty="0"/>
+            <a:endParaRPr lang="ru-RU" dirty="0">
+              <a:latin typeface="Consolas" panose="020B0609020204030204" pitchFamily="49" charset="0"/>
+            </a:endParaRPr>
+          </a:p>
+          <a:p>
+            <a:r>
+              <a:rPr lang="en-US" dirty="0">
+                <a:latin typeface="Consolas" panose="020B0609020204030204" pitchFamily="49" charset="0"/>
+              </a:rPr>
               <a:t>void bar()</a:t>
             </a:r>
           </a:p>
           <a:p>
             <a:r>
-              <a:rPr lang="en-US" dirty="0"/>
+              <a:rPr lang="en-US" dirty="0">
+                <a:latin typeface="Consolas" panose="020B0609020204030204" pitchFamily="49" charset="0"/>
+              </a:rPr>
               <a:t>{</a:t>
             </a:r>
           </a:p>
           <a:p>
             <a:r>
-              <a:rPr lang="en-US" dirty="0"/>
+              <a:rPr lang="en-US" dirty="0">
+                <a:latin typeface="Consolas" panose="020B0609020204030204" pitchFamily="49" charset="0"/>
+              </a:rPr>
               <a:t>	while ( b == 0 ) continue;</a:t>
             </a:r>
           </a:p>
           <a:p>
             <a:r>
-              <a:rPr lang="en-US" dirty="0"/>
+              <a:rPr lang="en-US" dirty="0">
+                <a:latin typeface="Consolas" panose="020B0609020204030204" pitchFamily="49" charset="0"/>
+              </a:rPr>
               <a:t>	assert( a == 1 );</a:t>
             </a:r>
           </a:p>
           <a:p>
             <a:r>
-              <a:rPr lang="en-US" dirty="0"/>
+              <a:rPr lang="en-US" dirty="0">
+                <a:latin typeface="Consolas" panose="020B0609020204030204" pitchFamily="49" charset="0"/>
+              </a:rPr>
               <a:t>}</a:t>
             </a:r>
           </a:p>
@@ -36062,10 +37310,10 @@
       </p:grpSpPr>
       <p:sp>
         <p:nvSpPr>
-          <p:cNvPr id="2" name="Title 1">
-            <a:extLst>
-              <a:ext uri="{FF2B5EF4-FFF2-40B4-BE49-F238E27FC236}">
-                <a16:creationId xmlns:a16="http://schemas.microsoft.com/office/drawing/2014/main" id="{0817A5F2-8E48-CE68-098E-97BD444C1A13}"/>
+          <p:cNvPr id="4" name="Title 3">
+            <a:extLst>
+              <a:ext uri="{FF2B5EF4-FFF2-40B4-BE49-F238E27FC236}">
+                <a16:creationId xmlns:a16="http://schemas.microsoft.com/office/drawing/2014/main" id="{9A49FC0F-C228-E23C-9DBB-63569E04D35A}"/>
               </a:ext>
             </a:extLst>
           </p:cNvPr>
@@ -36083,18 +37331,29 @@
           <a:p>
             <a:r>
               <a:rPr lang="ru-RU" dirty="0"/>
-              <a:t>Список литературы</a:t>
-            </a:r>
-            <a:endParaRPr lang="en-US" dirty="0"/>
-          </a:p>
-        </p:txBody>
-      </p:sp>
-      <p:sp>
-        <p:nvSpPr>
-          <p:cNvPr id="3" name="Content Placeholder 2">
-            <a:extLst>
-              <a:ext uri="{FF2B5EF4-FFF2-40B4-BE49-F238E27FC236}">
-                <a16:creationId xmlns:a16="http://schemas.microsoft.com/office/drawing/2014/main" id="{2C660341-E35E-08A7-47CB-C35363D0487F}"/>
+              <a:t>Очередь </a:t>
+            </a:r>
+            <a:r>
+              <a:rPr lang="ru-RU" dirty="0" err="1"/>
+              <a:t>инвалидирования</a:t>
+            </a:r>
+            <a:r>
+              <a:rPr lang="ru-RU" dirty="0"/>
+              <a:t> (</a:t>
+            </a:r>
+            <a:r>
+              <a:rPr lang="en-US" dirty="0"/>
+              <a:t>Invalidate Queue)</a:t>
+            </a:r>
+          </a:p>
+        </p:txBody>
+      </p:sp>
+      <p:sp>
+        <p:nvSpPr>
+          <p:cNvPr id="5" name="Content Placeholder 4">
+            <a:extLst>
+              <a:ext uri="{FF2B5EF4-FFF2-40B4-BE49-F238E27FC236}">
+                <a16:creationId xmlns:a16="http://schemas.microsoft.com/office/drawing/2014/main" id="{AD0D6FD7-1183-3F91-B10D-BCB8436CE328}"/>
               </a:ext>
             </a:extLst>
           </p:cNvPr>
@@ -36102,65 +37361,80 @@
             <a:spLocks noGrp="1"/>
           </p:cNvSpPr>
           <p:nvPr>
-            <p:ph idx="1"/>
+            <p:ph sz="half" idx="1"/>
           </p:nvPr>
         </p:nvSpPr>
         <p:spPr/>
         <p:txBody>
           <a:bodyPr>
-            <a:normAutofit/>
+            <a:normAutofit fontScale="92500" lnSpcReduction="10000"/>
           </a:bodyPr>
           <a:lstStyle/>
           <a:p>
             <a:r>
+              <a:rPr lang="ru-RU" dirty="0"/>
+              <a:t>Служит для минимизации задержек при работе в многопроцессорных системах</a:t>
+            </a:r>
+          </a:p>
+          <a:p>
+            <a:r>
               <a:rPr lang="en-US" dirty="0"/>
-              <a:t>Williams Anthony, “C++ Concurrency in Action, 2</a:t>
-            </a:r>
-            <a:r>
-              <a:rPr lang="en-US" baseline="30000" dirty="0"/>
-              <a:t>nd</a:t>
+              <a:t>Invalidate-</a:t>
+            </a:r>
+            <a:r>
+              <a:rPr lang="ru-RU" dirty="0"/>
+              <a:t>сообщения помещаются в очередь, а потом обрабатываются процессором</a:t>
+            </a:r>
+          </a:p>
+          <a:p>
+            <a:r>
+              <a:rPr lang="ru-RU" dirty="0"/>
+              <a:t>При отправке </a:t>
             </a:r>
             <a:r>
               <a:rPr lang="en-US" dirty="0"/>
-              <a:t> Edition”</a:t>
-            </a:r>
-            <a:endParaRPr lang="ru-RU" dirty="0"/>
-          </a:p>
-          <a:p>
-            <a:r>
-              <a:rPr lang="en-US" dirty="0"/>
-              <a:t>Maurice Herlihy, Nir Shavit “The Art of Multiprocessor Programming”</a:t>
-            </a:r>
-          </a:p>
-          <a:p>
-            <a:r>
-              <a:rPr lang="en-US" dirty="0"/>
-              <a:t>Lock-free </a:t>
+              <a:t>Invalidate-</a:t>
             </a:r>
             <a:r>
               <a:rPr lang="ru-RU" dirty="0"/>
-              <a:t>структуры данных. Откуда пошли быть барьеры памяти</a:t>
-            </a:r>
-          </a:p>
-          <a:p>
-            <a:pPr lvl="1"/>
-            <a:r>
-              <a:rPr lang="en-US" dirty="0">
-                <a:hlinkClick r:id="rId2"/>
-              </a:rPr>
-              <a:t>Memory Barriers: a Hardware View for Software Hackers</a:t>
-            </a:r>
-            <a:endParaRPr lang="ru-RU" dirty="0"/>
-          </a:p>
-          <a:p>
-            <a:endParaRPr lang="en-US" dirty="0"/>
-          </a:p>
-        </p:txBody>
-      </p:sp>
+              <a:t>сообщения процессор должен подождать, пока обработается сообщение, адресованное этой же кеш-линии</a:t>
+            </a:r>
+          </a:p>
+        </p:txBody>
+      </p:sp>
+      <p:pic>
+        <p:nvPicPr>
+          <p:cNvPr id="8" name="Content Placeholder 7">
+            <a:extLst>
+              <a:ext uri="{FF2B5EF4-FFF2-40B4-BE49-F238E27FC236}">
+                <a16:creationId xmlns:a16="http://schemas.microsoft.com/office/drawing/2014/main" id="{8220E79F-E0B5-DF21-7773-5F3DB3981649}"/>
+              </a:ext>
+            </a:extLst>
+          </p:cNvPr>
+          <p:cNvPicPr>
+            <a:picLocks noGrp="1" noChangeAspect="1"/>
+          </p:cNvPicPr>
+          <p:nvPr>
+            <p:ph sz="half" idx="2"/>
+          </p:nvPr>
+        </p:nvPicPr>
+        <p:blipFill>
+          <a:blip r:embed="rId3"/>
+          <a:stretch>
+            <a:fillRect/>
+          </a:stretch>
+        </p:blipFill>
+        <p:spPr>
+          <a:xfrm>
+            <a:off x="6654005" y="1825625"/>
+            <a:ext cx="4217990" cy="4351338"/>
+          </a:xfrm>
+        </p:spPr>
+      </p:pic>
     </p:spTree>
     <p:extLst>
       <p:ext uri="{BB962C8B-B14F-4D97-AF65-F5344CB8AC3E}">
-        <p14:creationId xmlns:p14="http://schemas.microsoft.com/office/powerpoint/2010/main" val="1969137641"/>
+        <p14:creationId xmlns:p14="http://schemas.microsoft.com/office/powerpoint/2010/main" val="1833784143"/>
       </p:ext>
     </p:extLst>
   </p:cSld>
@@ -36189,10 +37463,10 @@
       </p:grpSpPr>
       <p:sp>
         <p:nvSpPr>
-          <p:cNvPr id="2" name="Title 1">
-            <a:extLst>
-              <a:ext uri="{FF2B5EF4-FFF2-40B4-BE49-F238E27FC236}">
-                <a16:creationId xmlns:a16="http://schemas.microsoft.com/office/drawing/2014/main" id="{7D258A16-D3F9-CF1C-55F9-85E43B6F8704}"/>
+          <p:cNvPr id="5" name="Title 4">
+            <a:extLst>
+              <a:ext uri="{FF2B5EF4-FFF2-40B4-BE49-F238E27FC236}">
+                <a16:creationId xmlns:a16="http://schemas.microsoft.com/office/drawing/2014/main" id="{CEF415E2-6F26-3B7D-D834-97DA0A26280D}"/>
               </a:ext>
             </a:extLst>
           </p:cNvPr>
@@ -36210,21 +37484,18 @@
           <a:p>
             <a:r>
               <a:rPr lang="ru-RU" dirty="0"/>
-              <a:t>Вопросы</a:t>
-            </a:r>
-            <a:r>
-              <a:rPr lang="en-US" dirty="0"/>
-              <a:t>?</a:t>
-            </a:r>
-          </a:p>
-        </p:txBody>
-      </p:sp>
-      <p:sp>
-        <p:nvSpPr>
-          <p:cNvPr id="3" name="Text Placeholder 2">
-            <a:extLst>
-              <a:ext uri="{FF2B5EF4-FFF2-40B4-BE49-F238E27FC236}">
-                <a16:creationId xmlns:a16="http://schemas.microsoft.com/office/drawing/2014/main" id="{38A820E6-49CD-914B-5655-ECC3ECF465B5}"/>
+              <a:t>Снова нарушение согласованности</a:t>
+            </a:r>
+            <a:endParaRPr lang="en-US" dirty="0"/>
+          </a:p>
+        </p:txBody>
+      </p:sp>
+      <p:sp>
+        <p:nvSpPr>
+          <p:cNvPr id="6" name="Content Placeholder 5">
+            <a:extLst>
+              <a:ext uri="{FF2B5EF4-FFF2-40B4-BE49-F238E27FC236}">
+                <a16:creationId xmlns:a16="http://schemas.microsoft.com/office/drawing/2014/main" id="{D7092503-019D-30AA-624F-EF7768F02D0E}"/>
               </a:ext>
             </a:extLst>
           </p:cNvPr>
@@ -36232,7 +37503,7 @@
             <a:spLocks noGrp="1"/>
           </p:cNvSpPr>
           <p:nvPr>
-            <p:ph type="body" idx="1"/>
+            <p:ph idx="1"/>
           </p:nvPr>
         </p:nvSpPr>
         <p:spPr/>
@@ -36240,20 +37511,2557 @@
           <a:bodyPr/>
           <a:lstStyle/>
           <a:p>
+            <a:r>
+              <a:rPr lang="en-US" dirty="0"/>
+              <a:t>a=0, b=0. </a:t>
+            </a:r>
+            <a:r>
+              <a:rPr lang="ru-RU" dirty="0"/>
+              <a:t>Переменная </a:t>
+            </a:r>
+            <a:r>
+              <a:rPr lang="en-US" b="1" dirty="0"/>
+              <a:t>a</a:t>
+            </a:r>
+            <a:r>
+              <a:rPr lang="en-US" dirty="0"/>
+              <a:t> </a:t>
+            </a:r>
+            <a:r>
+              <a:rPr lang="ru-RU" dirty="0"/>
+              <a:t>в находится</a:t>
+            </a:r>
+            <a:r>
+              <a:rPr lang="en-US" dirty="0"/>
+              <a:t> </a:t>
+            </a:r>
+            <a:r>
+              <a:rPr lang="ru-RU" dirty="0"/>
+              <a:t>в кешах обоих процессоров (</a:t>
+            </a:r>
+            <a:r>
+              <a:rPr lang="en-US" dirty="0"/>
+              <a:t>shared state)</a:t>
+            </a:r>
+          </a:p>
+        </p:txBody>
+      </p:sp>
+      <p:sp>
+        <p:nvSpPr>
+          <p:cNvPr id="7" name="TextBox 6">
+            <a:extLst>
+              <a:ext uri="{FF2B5EF4-FFF2-40B4-BE49-F238E27FC236}">
+                <a16:creationId xmlns:a16="http://schemas.microsoft.com/office/drawing/2014/main" id="{C5073674-F6EC-47A4-235F-6D1D9D158699}"/>
+              </a:ext>
+            </a:extLst>
+          </p:cNvPr>
+          <p:cNvSpPr txBox="1"/>
+          <p:nvPr/>
+        </p:nvSpPr>
+        <p:spPr>
+          <a:xfrm>
+            <a:off x="1040492" y="2627331"/>
+            <a:ext cx="8922658" cy="4154984"/>
+          </a:xfrm>
+          <a:prstGeom prst="rect">
+            <a:avLst/>
+          </a:prstGeom>
+          <a:noFill/>
+        </p:spPr>
+        <p:txBody>
+          <a:bodyPr wrap="square">
+            <a:spAutoFit/>
+          </a:bodyPr>
+          <a:lstStyle/>
+          <a:p>
+            <a:pPr marL="0" indent="0">
+              <a:buNone/>
+            </a:pPr>
+            <a:r>
+              <a:rPr lang="en-US" sz="2400" dirty="0"/>
+              <a:t>void foo()</a:t>
+            </a:r>
+            <a:r>
+              <a:rPr lang="ru-RU" sz="2400" dirty="0"/>
+              <a:t> </a:t>
+            </a:r>
+            <a:r>
+              <a:rPr lang="en-US" sz="2400" dirty="0"/>
+              <a:t>// CPU 0 (owns b, shares a)</a:t>
+            </a:r>
+          </a:p>
+          <a:p>
+            <a:pPr marL="0" indent="0">
+              <a:buNone/>
+            </a:pPr>
+            <a:r>
+              <a:rPr lang="en-US" sz="2400" dirty="0"/>
+              <a:t>{</a:t>
+            </a:r>
+          </a:p>
+          <a:p>
+            <a:pPr marL="0" indent="0">
+              <a:buNone/>
+            </a:pPr>
+            <a:r>
+              <a:rPr lang="en-US" sz="2400" dirty="0"/>
+              <a:t>	a = 1;</a:t>
+            </a:r>
+            <a:endParaRPr lang="ru-RU" sz="2400" dirty="0"/>
+          </a:p>
+          <a:p>
+            <a:r>
+              <a:rPr lang="en-US" sz="2400" dirty="0"/>
+              <a:t>	</a:t>
+            </a:r>
+            <a:r>
+              <a:rPr lang="en-US" sz="2400" dirty="0" err="1"/>
+              <a:t>smp_mb</a:t>
+            </a:r>
+            <a:r>
+              <a:rPr lang="en-US" sz="2400" dirty="0"/>
+              <a:t>();</a:t>
+            </a:r>
+          </a:p>
+          <a:p>
+            <a:pPr marL="0" indent="0">
+              <a:buNone/>
+            </a:pPr>
+            <a:r>
+              <a:rPr lang="en-US" sz="2400" dirty="0"/>
+              <a:t>	b = 1;</a:t>
+            </a:r>
+          </a:p>
+          <a:p>
+            <a:pPr marL="0" indent="0">
+              <a:buNone/>
+            </a:pPr>
+            <a:r>
+              <a:rPr lang="en-US" sz="2400" dirty="0"/>
+              <a:t>}</a:t>
+            </a:r>
+          </a:p>
+          <a:p>
+            <a:pPr marL="0" indent="0">
+              <a:buNone/>
+            </a:pPr>
+            <a:r>
+              <a:rPr lang="en-US" sz="2400" dirty="0"/>
+              <a:t>void bar() // CPU 1 (shares a)</a:t>
+            </a:r>
+          </a:p>
+          <a:p>
+            <a:pPr marL="0" indent="0">
+              <a:buNone/>
+            </a:pPr>
+            <a:r>
+              <a:rPr lang="en-US" sz="2400" dirty="0"/>
+              <a:t>{</a:t>
+            </a:r>
+          </a:p>
+          <a:p>
+            <a:pPr marL="0" indent="0">
+              <a:buNone/>
+            </a:pPr>
+            <a:r>
+              <a:rPr lang="en-US" sz="2400" dirty="0"/>
+              <a:t>	while ( b == 0 ) continue;</a:t>
+            </a:r>
+          </a:p>
+          <a:p>
+            <a:pPr marL="0" indent="0">
+              <a:buNone/>
+            </a:pPr>
+            <a:r>
+              <a:rPr lang="en-US" sz="2400" dirty="0"/>
+              <a:t>	assert( a == 1 );</a:t>
+            </a:r>
+          </a:p>
+          <a:p>
+            <a:pPr marL="0" indent="0">
+              <a:buNone/>
+            </a:pPr>
+            <a:r>
+              <a:rPr lang="en-US" sz="2400" dirty="0"/>
+              <a:t>}</a:t>
+            </a:r>
+          </a:p>
+        </p:txBody>
+      </p:sp>
+      <p:sp>
+        <p:nvSpPr>
+          <p:cNvPr id="8" name="Arrow: Right 7">
+            <a:extLst>
+              <a:ext uri="{FF2B5EF4-FFF2-40B4-BE49-F238E27FC236}">
+                <a16:creationId xmlns:a16="http://schemas.microsoft.com/office/drawing/2014/main" id="{E4AB8159-5CF3-07B2-0471-F0B38BFD764F}"/>
+              </a:ext>
+            </a:extLst>
+          </p:cNvPr>
+          <p:cNvSpPr/>
+          <p:nvPr/>
+        </p:nvSpPr>
+        <p:spPr>
+          <a:xfrm>
+            <a:off x="1409700" y="3500438"/>
+            <a:ext cx="406400" cy="258762"/>
+          </a:xfrm>
+          <a:prstGeom prst="rightArrow">
+            <a:avLst/>
+          </a:prstGeom>
+        </p:spPr>
+        <p:style>
+          <a:lnRef idx="2">
+            <a:schemeClr val="accent1">
+              <a:shade val="15000"/>
+            </a:schemeClr>
+          </a:lnRef>
+          <a:fillRef idx="1">
+            <a:schemeClr val="accent1"/>
+          </a:fillRef>
+          <a:effectRef idx="0">
+            <a:schemeClr val="accent1"/>
+          </a:effectRef>
+          <a:fontRef idx="minor">
+            <a:schemeClr val="lt1"/>
+          </a:fontRef>
+        </p:style>
+        <p:txBody>
+          <a:bodyPr rtlCol="0" anchor="ctr"/>
+          <a:lstStyle/>
+          <a:p>
+            <a:pPr algn="ctr"/>
             <a:endParaRPr lang="en-US"/>
+          </a:p>
+        </p:txBody>
+      </p:sp>
+      <p:sp>
+        <p:nvSpPr>
+          <p:cNvPr id="9" name="TextBox 8">
+            <a:extLst>
+              <a:ext uri="{FF2B5EF4-FFF2-40B4-BE49-F238E27FC236}">
+                <a16:creationId xmlns:a16="http://schemas.microsoft.com/office/drawing/2014/main" id="{3C0256E4-CD81-3C9C-77EF-8071874E5942}"/>
+              </a:ext>
+            </a:extLst>
+          </p:cNvPr>
+          <p:cNvSpPr txBox="1"/>
+          <p:nvPr/>
+        </p:nvSpPr>
+        <p:spPr>
+          <a:xfrm>
+            <a:off x="4457361" y="3048000"/>
+            <a:ext cx="2860675" cy="1200329"/>
+          </a:xfrm>
+          <a:prstGeom prst="rect">
+            <a:avLst/>
+          </a:prstGeom>
+          <a:noFill/>
+        </p:spPr>
+        <p:txBody>
+          <a:bodyPr wrap="square" rtlCol="0">
+            <a:spAutoFit/>
+          </a:bodyPr>
+          <a:lstStyle/>
+          <a:p>
+            <a:r>
+              <a:rPr lang="en-US" dirty="0"/>
+              <a:t>Invalidate(a)</a:t>
+            </a:r>
+          </a:p>
+          <a:p>
+            <a:r>
+              <a:rPr lang="ru-RU" dirty="0"/>
+              <a:t>Получает </a:t>
+            </a:r>
+            <a:r>
+              <a:rPr lang="en-US" dirty="0"/>
+              <a:t>Read(b)</a:t>
+            </a:r>
+          </a:p>
+          <a:p>
+            <a:r>
+              <a:rPr lang="en-US" dirty="0"/>
+              <a:t>Read Response(b=1)</a:t>
+            </a:r>
+          </a:p>
+          <a:p>
+            <a:r>
+              <a:rPr lang="ru-RU" dirty="0"/>
+              <a:t>Получает </a:t>
+            </a:r>
+            <a:r>
+              <a:rPr lang="en-US" dirty="0"/>
+              <a:t>Invalidate Ack(a)</a:t>
+            </a:r>
+          </a:p>
+        </p:txBody>
+      </p:sp>
+      <p:sp>
+        <p:nvSpPr>
+          <p:cNvPr id="10" name="TextBox 9">
+            <a:extLst>
+              <a:ext uri="{FF2B5EF4-FFF2-40B4-BE49-F238E27FC236}">
+                <a16:creationId xmlns:a16="http://schemas.microsoft.com/office/drawing/2014/main" id="{13B59115-45D4-FC76-35E0-1989327B8F10}"/>
+              </a:ext>
+            </a:extLst>
+          </p:cNvPr>
+          <p:cNvSpPr txBox="1"/>
+          <p:nvPr/>
+        </p:nvSpPr>
+        <p:spPr>
+          <a:xfrm>
+            <a:off x="5216071" y="4999051"/>
+            <a:ext cx="2860675" cy="1477328"/>
+          </a:xfrm>
+          <a:prstGeom prst="rect">
+            <a:avLst/>
+          </a:prstGeom>
+          <a:noFill/>
+        </p:spPr>
+        <p:txBody>
+          <a:bodyPr wrap="square" rtlCol="0">
+            <a:spAutoFit/>
+          </a:bodyPr>
+          <a:lstStyle/>
+          <a:p>
+            <a:r>
+              <a:rPr lang="en-US" dirty="0"/>
+              <a:t>Read(b)</a:t>
+            </a:r>
+          </a:p>
+          <a:p>
+            <a:r>
+              <a:rPr lang="ru-RU" dirty="0"/>
+              <a:t>Получает </a:t>
+            </a:r>
+            <a:r>
+              <a:rPr lang="en-US" dirty="0"/>
+              <a:t>Invalidate(a)</a:t>
+            </a:r>
+          </a:p>
+          <a:p>
+            <a:r>
+              <a:rPr lang="en-US" dirty="0"/>
+              <a:t>Invalidate Ack(a)</a:t>
+            </a:r>
+          </a:p>
+          <a:p>
+            <a:r>
+              <a:rPr lang="ru-RU" dirty="0"/>
+              <a:t>Получает </a:t>
+            </a:r>
+            <a:r>
+              <a:rPr lang="en-US" dirty="0" err="1"/>
+              <a:t>ReadResponse</a:t>
+            </a:r>
+            <a:r>
+              <a:rPr lang="en-US" dirty="0"/>
+              <a:t>(b=1)</a:t>
+            </a:r>
+          </a:p>
+        </p:txBody>
+      </p:sp>
+      <p:sp>
+        <p:nvSpPr>
+          <p:cNvPr id="11" name="Arrow: Right 10">
+            <a:extLst>
+              <a:ext uri="{FF2B5EF4-FFF2-40B4-BE49-F238E27FC236}">
+                <a16:creationId xmlns:a16="http://schemas.microsoft.com/office/drawing/2014/main" id="{63CD1FD2-001A-2A0D-9D2E-7B656683BAD0}"/>
+              </a:ext>
+            </a:extLst>
+          </p:cNvPr>
+          <p:cNvSpPr/>
+          <p:nvPr/>
+        </p:nvSpPr>
+        <p:spPr>
+          <a:xfrm>
+            <a:off x="1409700" y="5696187"/>
+            <a:ext cx="406400" cy="258762"/>
+          </a:xfrm>
+          <a:prstGeom prst="rightArrow">
+            <a:avLst/>
+          </a:prstGeom>
+        </p:spPr>
+        <p:style>
+          <a:lnRef idx="2">
+            <a:schemeClr val="accent1">
+              <a:shade val="15000"/>
+            </a:schemeClr>
+          </a:lnRef>
+          <a:fillRef idx="1">
+            <a:schemeClr val="accent1"/>
+          </a:fillRef>
+          <a:effectRef idx="0">
+            <a:schemeClr val="accent1"/>
+          </a:effectRef>
+          <a:fontRef idx="minor">
+            <a:schemeClr val="lt1"/>
+          </a:fontRef>
+        </p:style>
+        <p:txBody>
+          <a:bodyPr rtlCol="0" anchor="ctr"/>
+          <a:lstStyle/>
+          <a:p>
+            <a:pPr algn="ctr"/>
+            <a:endParaRPr lang="en-US"/>
+          </a:p>
+        </p:txBody>
+      </p:sp>
+      <p:sp>
+        <p:nvSpPr>
+          <p:cNvPr id="12" name="Arrow: Right 11">
+            <a:extLst>
+              <a:ext uri="{FF2B5EF4-FFF2-40B4-BE49-F238E27FC236}">
+                <a16:creationId xmlns:a16="http://schemas.microsoft.com/office/drawing/2014/main" id="{E84479F2-C53E-5D98-86B5-92F251E4AE7D}"/>
+              </a:ext>
+            </a:extLst>
+          </p:cNvPr>
+          <p:cNvSpPr/>
+          <p:nvPr/>
+        </p:nvSpPr>
+        <p:spPr>
+          <a:xfrm>
+            <a:off x="1409700" y="4147575"/>
+            <a:ext cx="406400" cy="258762"/>
+          </a:xfrm>
+          <a:prstGeom prst="rightArrow">
+            <a:avLst/>
+          </a:prstGeom>
+        </p:spPr>
+        <p:style>
+          <a:lnRef idx="2">
+            <a:schemeClr val="accent1">
+              <a:shade val="15000"/>
+            </a:schemeClr>
+          </a:lnRef>
+          <a:fillRef idx="1">
+            <a:schemeClr val="accent1"/>
+          </a:fillRef>
+          <a:effectRef idx="0">
+            <a:schemeClr val="accent1"/>
+          </a:effectRef>
+          <a:fontRef idx="minor">
+            <a:schemeClr val="lt1"/>
+          </a:fontRef>
+        </p:style>
+        <p:txBody>
+          <a:bodyPr rtlCol="0" anchor="ctr"/>
+          <a:lstStyle/>
+          <a:p>
+            <a:pPr algn="ctr"/>
+            <a:endParaRPr lang="en-US"/>
+          </a:p>
+        </p:txBody>
+      </p:sp>
+      <p:sp>
+        <p:nvSpPr>
+          <p:cNvPr id="13" name="Rectangle 12">
+            <a:extLst>
+              <a:ext uri="{FF2B5EF4-FFF2-40B4-BE49-F238E27FC236}">
+                <a16:creationId xmlns:a16="http://schemas.microsoft.com/office/drawing/2014/main" id="{DCF0F48E-3362-613B-1D41-DF2D0BFBE65D}"/>
+              </a:ext>
+            </a:extLst>
+          </p:cNvPr>
+          <p:cNvSpPr/>
+          <p:nvPr/>
+        </p:nvSpPr>
+        <p:spPr>
+          <a:xfrm>
+            <a:off x="7736114" y="3407569"/>
+            <a:ext cx="1112837" cy="381000"/>
+          </a:xfrm>
+          <a:prstGeom prst="rect">
+            <a:avLst/>
+          </a:prstGeom>
+        </p:spPr>
+        <p:style>
+          <a:lnRef idx="2">
+            <a:schemeClr val="accent1">
+              <a:shade val="15000"/>
+            </a:schemeClr>
+          </a:lnRef>
+          <a:fillRef idx="1">
+            <a:schemeClr val="accent1"/>
+          </a:fillRef>
+          <a:effectRef idx="0">
+            <a:schemeClr val="accent1"/>
+          </a:effectRef>
+          <a:fontRef idx="minor">
+            <a:schemeClr val="lt1"/>
+          </a:fontRef>
+        </p:style>
+        <p:txBody>
+          <a:bodyPr rtlCol="0" anchor="ctr"/>
+          <a:lstStyle/>
+          <a:p>
+            <a:pPr algn="ctr"/>
+            <a:r>
+              <a:rPr lang="en-US" dirty="0"/>
+              <a:t>E/M: b=0</a:t>
+            </a:r>
+          </a:p>
+        </p:txBody>
+      </p:sp>
+      <p:sp>
+        <p:nvSpPr>
+          <p:cNvPr id="14" name="Rectangle 13">
+            <a:extLst>
+              <a:ext uri="{FF2B5EF4-FFF2-40B4-BE49-F238E27FC236}">
+                <a16:creationId xmlns:a16="http://schemas.microsoft.com/office/drawing/2014/main" id="{383D8674-82CC-4AD9-A5E6-A1E4D5A0EFAB}"/>
+              </a:ext>
+            </a:extLst>
+          </p:cNvPr>
+          <p:cNvSpPr/>
+          <p:nvPr/>
+        </p:nvSpPr>
+        <p:spPr>
+          <a:xfrm>
+            <a:off x="9091043" y="3060700"/>
+            <a:ext cx="895350" cy="381000"/>
+          </a:xfrm>
+          <a:prstGeom prst="rect">
+            <a:avLst/>
+          </a:prstGeom>
+        </p:spPr>
+        <p:style>
+          <a:lnRef idx="2">
+            <a:schemeClr val="accent1">
+              <a:shade val="15000"/>
+            </a:schemeClr>
+          </a:lnRef>
+          <a:fillRef idx="1">
+            <a:schemeClr val="accent1"/>
+          </a:fillRef>
+          <a:effectRef idx="0">
+            <a:schemeClr val="accent1"/>
+          </a:effectRef>
+          <a:fontRef idx="minor">
+            <a:schemeClr val="lt1"/>
+          </a:fontRef>
+        </p:style>
+        <p:txBody>
+          <a:bodyPr rtlCol="0" anchor="ctr"/>
+          <a:lstStyle/>
+          <a:p>
+            <a:pPr algn="ctr"/>
+            <a:r>
+              <a:rPr lang="en-US" dirty="0"/>
+              <a:t>a=1</a:t>
+            </a:r>
+          </a:p>
+        </p:txBody>
+      </p:sp>
+      <p:sp>
+        <p:nvSpPr>
+          <p:cNvPr id="15" name="Rectangle 14">
+            <a:extLst>
+              <a:ext uri="{FF2B5EF4-FFF2-40B4-BE49-F238E27FC236}">
+                <a16:creationId xmlns:a16="http://schemas.microsoft.com/office/drawing/2014/main" id="{C95E44C5-DF6D-1CAA-F58B-83FDC259E063}"/>
+              </a:ext>
+            </a:extLst>
+          </p:cNvPr>
+          <p:cNvSpPr/>
+          <p:nvPr/>
+        </p:nvSpPr>
+        <p:spPr>
+          <a:xfrm>
+            <a:off x="7736114" y="3048000"/>
+            <a:ext cx="1112837" cy="381000"/>
+          </a:xfrm>
+          <a:prstGeom prst="rect">
+            <a:avLst/>
+          </a:prstGeom>
+        </p:spPr>
+        <p:style>
+          <a:lnRef idx="2">
+            <a:schemeClr val="accent1">
+              <a:shade val="15000"/>
+            </a:schemeClr>
+          </a:lnRef>
+          <a:fillRef idx="1">
+            <a:schemeClr val="accent1"/>
+          </a:fillRef>
+          <a:effectRef idx="0">
+            <a:schemeClr val="accent1"/>
+          </a:effectRef>
+          <a:fontRef idx="minor">
+            <a:schemeClr val="lt1"/>
+          </a:fontRef>
+        </p:style>
+        <p:txBody>
+          <a:bodyPr rtlCol="0" anchor="ctr"/>
+          <a:lstStyle/>
+          <a:p>
+            <a:pPr algn="ctr"/>
+            <a:r>
+              <a:rPr lang="en-US" dirty="0"/>
+              <a:t>S: a=0</a:t>
+            </a:r>
+          </a:p>
+        </p:txBody>
+      </p:sp>
+      <p:sp>
+        <p:nvSpPr>
+          <p:cNvPr id="16" name="TextBox 15">
+            <a:extLst>
+              <a:ext uri="{FF2B5EF4-FFF2-40B4-BE49-F238E27FC236}">
+                <a16:creationId xmlns:a16="http://schemas.microsoft.com/office/drawing/2014/main" id="{0B6BF9C7-8754-98A1-D8F8-1D18FF1BC20E}"/>
+              </a:ext>
+            </a:extLst>
+          </p:cNvPr>
+          <p:cNvSpPr txBox="1"/>
+          <p:nvPr/>
+        </p:nvSpPr>
+        <p:spPr>
+          <a:xfrm>
+            <a:off x="9015298" y="2623900"/>
+            <a:ext cx="1395754" cy="369332"/>
+          </a:xfrm>
+          <a:prstGeom prst="rect">
+            <a:avLst/>
+          </a:prstGeom>
+          <a:noFill/>
+        </p:spPr>
+        <p:txBody>
+          <a:bodyPr wrap="square" rtlCol="0">
+            <a:spAutoFit/>
+          </a:bodyPr>
+          <a:lstStyle/>
+          <a:p>
+            <a:r>
+              <a:rPr lang="en-US" dirty="0"/>
+              <a:t>Store buffer</a:t>
+            </a:r>
+          </a:p>
+        </p:txBody>
+      </p:sp>
+      <p:sp>
+        <p:nvSpPr>
+          <p:cNvPr id="17" name="TextBox 16">
+            <a:extLst>
+              <a:ext uri="{FF2B5EF4-FFF2-40B4-BE49-F238E27FC236}">
+                <a16:creationId xmlns:a16="http://schemas.microsoft.com/office/drawing/2014/main" id="{1B7C4883-4EDB-3ECA-A55C-B597D1741C54}"/>
+              </a:ext>
+            </a:extLst>
+          </p:cNvPr>
+          <p:cNvSpPr txBox="1"/>
+          <p:nvPr/>
+        </p:nvSpPr>
+        <p:spPr>
+          <a:xfrm>
+            <a:off x="7807097" y="2623900"/>
+            <a:ext cx="2161721" cy="369332"/>
+          </a:xfrm>
+          <a:prstGeom prst="rect">
+            <a:avLst/>
+          </a:prstGeom>
+          <a:noFill/>
+        </p:spPr>
+        <p:txBody>
+          <a:bodyPr wrap="square" rtlCol="0">
+            <a:spAutoFit/>
+          </a:bodyPr>
+          <a:lstStyle/>
+          <a:p>
+            <a:r>
+              <a:rPr lang="en-US" dirty="0"/>
+              <a:t>Cache:</a:t>
+            </a:r>
+          </a:p>
+        </p:txBody>
+      </p:sp>
+      <p:sp>
+        <p:nvSpPr>
+          <p:cNvPr id="20" name="Rectangle 19">
+            <a:extLst>
+              <a:ext uri="{FF2B5EF4-FFF2-40B4-BE49-F238E27FC236}">
+                <a16:creationId xmlns:a16="http://schemas.microsoft.com/office/drawing/2014/main" id="{3B3CC906-4D3E-95E2-AFB8-57D4E6260DDA}"/>
+              </a:ext>
+            </a:extLst>
+          </p:cNvPr>
+          <p:cNvSpPr/>
+          <p:nvPr/>
+        </p:nvSpPr>
+        <p:spPr>
+          <a:xfrm>
+            <a:off x="7736114" y="5008706"/>
+            <a:ext cx="1112837" cy="381000"/>
+          </a:xfrm>
+          <a:prstGeom prst="rect">
+            <a:avLst/>
+          </a:prstGeom>
+        </p:spPr>
+        <p:style>
+          <a:lnRef idx="2">
+            <a:schemeClr val="accent1">
+              <a:shade val="15000"/>
+            </a:schemeClr>
+          </a:lnRef>
+          <a:fillRef idx="1">
+            <a:schemeClr val="accent1"/>
+          </a:fillRef>
+          <a:effectRef idx="0">
+            <a:schemeClr val="accent1"/>
+          </a:effectRef>
+          <a:fontRef idx="minor">
+            <a:schemeClr val="lt1"/>
+          </a:fontRef>
+        </p:style>
+        <p:txBody>
+          <a:bodyPr rtlCol="0" anchor="ctr"/>
+          <a:lstStyle/>
+          <a:p>
+            <a:pPr algn="ctr"/>
+            <a:r>
+              <a:rPr lang="en-US" dirty="0"/>
+              <a:t>S: a=0</a:t>
+            </a:r>
+          </a:p>
+        </p:txBody>
+      </p:sp>
+      <p:sp>
+        <p:nvSpPr>
+          <p:cNvPr id="21" name="TextBox 20">
+            <a:extLst>
+              <a:ext uri="{FF2B5EF4-FFF2-40B4-BE49-F238E27FC236}">
+                <a16:creationId xmlns:a16="http://schemas.microsoft.com/office/drawing/2014/main" id="{232F0A6E-65CA-740C-97D4-40C573329A53}"/>
+              </a:ext>
+            </a:extLst>
+          </p:cNvPr>
+          <p:cNvSpPr txBox="1"/>
+          <p:nvPr/>
+        </p:nvSpPr>
+        <p:spPr>
+          <a:xfrm>
+            <a:off x="9015297" y="4563283"/>
+            <a:ext cx="1395755" cy="369332"/>
+          </a:xfrm>
+          <a:prstGeom prst="rect">
+            <a:avLst/>
+          </a:prstGeom>
+          <a:noFill/>
+        </p:spPr>
+        <p:txBody>
+          <a:bodyPr wrap="square" rtlCol="0">
+            <a:spAutoFit/>
+          </a:bodyPr>
+          <a:lstStyle/>
+          <a:p>
+            <a:r>
+              <a:rPr lang="en-US" dirty="0"/>
+              <a:t>Store buffer</a:t>
+            </a:r>
+          </a:p>
+        </p:txBody>
+      </p:sp>
+      <p:sp>
+        <p:nvSpPr>
+          <p:cNvPr id="22" name="TextBox 21">
+            <a:extLst>
+              <a:ext uri="{FF2B5EF4-FFF2-40B4-BE49-F238E27FC236}">
+                <a16:creationId xmlns:a16="http://schemas.microsoft.com/office/drawing/2014/main" id="{ADE481D9-E091-CC6A-AAAF-B2361BF4DE5B}"/>
+              </a:ext>
+            </a:extLst>
+          </p:cNvPr>
+          <p:cNvSpPr txBox="1"/>
+          <p:nvPr/>
+        </p:nvSpPr>
+        <p:spPr>
+          <a:xfrm>
+            <a:off x="7807097" y="4563283"/>
+            <a:ext cx="2161721" cy="369332"/>
+          </a:xfrm>
+          <a:prstGeom prst="rect">
+            <a:avLst/>
+          </a:prstGeom>
+          <a:noFill/>
+        </p:spPr>
+        <p:txBody>
+          <a:bodyPr wrap="square" rtlCol="0">
+            <a:spAutoFit/>
+          </a:bodyPr>
+          <a:lstStyle/>
+          <a:p>
+            <a:r>
+              <a:rPr lang="en-US" dirty="0"/>
+              <a:t>Cache:</a:t>
+            </a:r>
+          </a:p>
+        </p:txBody>
+      </p:sp>
+      <p:sp>
+        <p:nvSpPr>
+          <p:cNvPr id="23" name="Rectangle 22">
+            <a:extLst>
+              <a:ext uri="{FF2B5EF4-FFF2-40B4-BE49-F238E27FC236}">
+                <a16:creationId xmlns:a16="http://schemas.microsoft.com/office/drawing/2014/main" id="{80880226-9A53-A647-CBE8-D5B619FB8718}"/>
+              </a:ext>
+            </a:extLst>
+          </p:cNvPr>
+          <p:cNvSpPr/>
+          <p:nvPr/>
+        </p:nvSpPr>
+        <p:spPr>
+          <a:xfrm>
+            <a:off x="7732315" y="3407569"/>
+            <a:ext cx="1112837" cy="381000"/>
+          </a:xfrm>
+          <a:prstGeom prst="rect">
+            <a:avLst/>
+          </a:prstGeom>
+        </p:spPr>
+        <p:style>
+          <a:lnRef idx="2">
+            <a:schemeClr val="accent1">
+              <a:shade val="15000"/>
+            </a:schemeClr>
+          </a:lnRef>
+          <a:fillRef idx="1">
+            <a:schemeClr val="accent1"/>
+          </a:fillRef>
+          <a:effectRef idx="0">
+            <a:schemeClr val="accent1"/>
+          </a:effectRef>
+          <a:fontRef idx="minor">
+            <a:schemeClr val="lt1"/>
+          </a:fontRef>
+        </p:style>
+        <p:txBody>
+          <a:bodyPr rtlCol="0" anchor="ctr"/>
+          <a:lstStyle/>
+          <a:p>
+            <a:pPr algn="ctr"/>
+            <a:r>
+              <a:rPr lang="en-US" dirty="0"/>
+              <a:t>M: b=1</a:t>
+            </a:r>
+          </a:p>
+        </p:txBody>
+      </p:sp>
+      <p:sp>
+        <p:nvSpPr>
+          <p:cNvPr id="24" name="Rectangle 23">
+            <a:extLst>
+              <a:ext uri="{FF2B5EF4-FFF2-40B4-BE49-F238E27FC236}">
+                <a16:creationId xmlns:a16="http://schemas.microsoft.com/office/drawing/2014/main" id="{2D9EA37B-98F6-4BCD-DE80-DAE2DD650285}"/>
+              </a:ext>
+            </a:extLst>
+          </p:cNvPr>
+          <p:cNvSpPr/>
+          <p:nvPr/>
+        </p:nvSpPr>
+        <p:spPr>
+          <a:xfrm>
+            <a:off x="7728516" y="3378200"/>
+            <a:ext cx="1112837" cy="381000"/>
+          </a:xfrm>
+          <a:prstGeom prst="rect">
+            <a:avLst/>
+          </a:prstGeom>
+        </p:spPr>
+        <p:style>
+          <a:lnRef idx="2">
+            <a:schemeClr val="accent1">
+              <a:shade val="15000"/>
+            </a:schemeClr>
+          </a:lnRef>
+          <a:fillRef idx="1">
+            <a:schemeClr val="accent1"/>
+          </a:fillRef>
+          <a:effectRef idx="0">
+            <a:schemeClr val="accent1"/>
+          </a:effectRef>
+          <a:fontRef idx="minor">
+            <a:schemeClr val="lt1"/>
+          </a:fontRef>
+        </p:style>
+        <p:txBody>
+          <a:bodyPr rtlCol="0" anchor="ctr"/>
+          <a:lstStyle/>
+          <a:p>
+            <a:pPr algn="ctr"/>
+            <a:r>
+              <a:rPr lang="en-US" dirty="0"/>
+              <a:t>S: b=1</a:t>
+            </a:r>
+          </a:p>
+        </p:txBody>
+      </p:sp>
+      <p:sp>
+        <p:nvSpPr>
+          <p:cNvPr id="25" name="TextBox 24">
+            <a:extLst>
+              <a:ext uri="{FF2B5EF4-FFF2-40B4-BE49-F238E27FC236}">
+                <a16:creationId xmlns:a16="http://schemas.microsoft.com/office/drawing/2014/main" id="{E5964867-7446-070C-63A8-FDB8A883804C}"/>
+              </a:ext>
+            </a:extLst>
+          </p:cNvPr>
+          <p:cNvSpPr txBox="1"/>
+          <p:nvPr/>
+        </p:nvSpPr>
+        <p:spPr>
+          <a:xfrm>
+            <a:off x="10367110" y="4534709"/>
+            <a:ext cx="1902733" cy="369332"/>
+          </a:xfrm>
+          <a:prstGeom prst="rect">
+            <a:avLst/>
+          </a:prstGeom>
+          <a:noFill/>
+        </p:spPr>
+        <p:txBody>
+          <a:bodyPr wrap="square" rtlCol="0">
+            <a:spAutoFit/>
+          </a:bodyPr>
+          <a:lstStyle/>
+          <a:p>
+            <a:r>
+              <a:rPr lang="en-US" dirty="0"/>
+              <a:t>Invalidate queue</a:t>
+            </a:r>
+          </a:p>
+        </p:txBody>
+      </p:sp>
+      <p:sp>
+        <p:nvSpPr>
+          <p:cNvPr id="26" name="Rectangle 25">
+            <a:extLst>
+              <a:ext uri="{FF2B5EF4-FFF2-40B4-BE49-F238E27FC236}">
+                <a16:creationId xmlns:a16="http://schemas.microsoft.com/office/drawing/2014/main" id="{3916F63F-EBE8-413E-AAA7-365075DCFA3C}"/>
+              </a:ext>
+            </a:extLst>
+          </p:cNvPr>
+          <p:cNvSpPr/>
+          <p:nvPr/>
+        </p:nvSpPr>
+        <p:spPr>
+          <a:xfrm>
+            <a:off x="10479937" y="4932615"/>
+            <a:ext cx="1583871" cy="381000"/>
+          </a:xfrm>
+          <a:prstGeom prst="rect">
+            <a:avLst/>
+          </a:prstGeom>
+        </p:spPr>
+        <p:style>
+          <a:lnRef idx="2">
+            <a:schemeClr val="accent1">
+              <a:shade val="15000"/>
+            </a:schemeClr>
+          </a:lnRef>
+          <a:fillRef idx="1">
+            <a:schemeClr val="accent1"/>
+          </a:fillRef>
+          <a:effectRef idx="0">
+            <a:schemeClr val="accent1"/>
+          </a:effectRef>
+          <a:fontRef idx="minor">
+            <a:schemeClr val="lt1"/>
+          </a:fontRef>
+        </p:style>
+        <p:txBody>
+          <a:bodyPr rtlCol="0" anchor="ctr"/>
+          <a:lstStyle/>
+          <a:p>
+            <a:pPr algn="ctr"/>
+            <a:r>
+              <a:rPr lang="en-US" dirty="0"/>
+              <a:t>Invalidate(a)</a:t>
+            </a:r>
+          </a:p>
+        </p:txBody>
+      </p:sp>
+      <p:sp>
+        <p:nvSpPr>
+          <p:cNvPr id="27" name="Rectangle 26">
+            <a:extLst>
+              <a:ext uri="{FF2B5EF4-FFF2-40B4-BE49-F238E27FC236}">
+                <a16:creationId xmlns:a16="http://schemas.microsoft.com/office/drawing/2014/main" id="{A3669DF4-1FB4-4DB2-F561-8F55DB773C5B}"/>
+              </a:ext>
+            </a:extLst>
+          </p:cNvPr>
+          <p:cNvSpPr/>
+          <p:nvPr/>
+        </p:nvSpPr>
+        <p:spPr>
+          <a:xfrm>
+            <a:off x="7722308" y="5417596"/>
+            <a:ext cx="1112837" cy="381000"/>
+          </a:xfrm>
+          <a:prstGeom prst="rect">
+            <a:avLst/>
+          </a:prstGeom>
+        </p:spPr>
+        <p:style>
+          <a:lnRef idx="2">
+            <a:schemeClr val="accent1">
+              <a:shade val="15000"/>
+            </a:schemeClr>
+          </a:lnRef>
+          <a:fillRef idx="1">
+            <a:schemeClr val="accent1"/>
+          </a:fillRef>
+          <a:effectRef idx="0">
+            <a:schemeClr val="accent1"/>
+          </a:effectRef>
+          <a:fontRef idx="minor">
+            <a:schemeClr val="lt1"/>
+          </a:fontRef>
+        </p:style>
+        <p:txBody>
+          <a:bodyPr rtlCol="0" anchor="ctr"/>
+          <a:lstStyle/>
+          <a:p>
+            <a:pPr algn="ctr"/>
+            <a:r>
+              <a:rPr lang="en-US" dirty="0"/>
+              <a:t>S: b=1</a:t>
+            </a:r>
+          </a:p>
+        </p:txBody>
+      </p:sp>
+      <p:sp>
+        <p:nvSpPr>
+          <p:cNvPr id="28" name="Arrow: Right 27">
+            <a:extLst>
+              <a:ext uri="{FF2B5EF4-FFF2-40B4-BE49-F238E27FC236}">
+                <a16:creationId xmlns:a16="http://schemas.microsoft.com/office/drawing/2014/main" id="{ED2D7513-7591-A2C1-580D-C5DEC3B2199D}"/>
+              </a:ext>
+            </a:extLst>
+          </p:cNvPr>
+          <p:cNvSpPr/>
+          <p:nvPr/>
+        </p:nvSpPr>
+        <p:spPr>
+          <a:xfrm>
+            <a:off x="1409700" y="6067909"/>
+            <a:ext cx="406400" cy="258762"/>
+          </a:xfrm>
+          <a:prstGeom prst="rightArrow">
+            <a:avLst/>
+          </a:prstGeom>
+        </p:spPr>
+        <p:style>
+          <a:lnRef idx="2">
+            <a:schemeClr val="accent1">
+              <a:shade val="15000"/>
+            </a:schemeClr>
+          </a:lnRef>
+          <a:fillRef idx="1">
+            <a:schemeClr val="accent1"/>
+          </a:fillRef>
+          <a:effectRef idx="0">
+            <a:schemeClr val="accent1"/>
+          </a:effectRef>
+          <a:fontRef idx="minor">
+            <a:schemeClr val="lt1"/>
+          </a:fontRef>
+        </p:style>
+        <p:txBody>
+          <a:bodyPr rtlCol="0" anchor="ctr"/>
+          <a:lstStyle/>
+          <a:p>
+            <a:pPr algn="ctr"/>
+            <a:endParaRPr lang="en-US"/>
+          </a:p>
+        </p:txBody>
+      </p:sp>
+      <p:sp>
+        <p:nvSpPr>
+          <p:cNvPr id="29" name="Rectangle 28">
+            <a:extLst>
+              <a:ext uri="{FF2B5EF4-FFF2-40B4-BE49-F238E27FC236}">
+                <a16:creationId xmlns:a16="http://schemas.microsoft.com/office/drawing/2014/main" id="{C61B4A31-06B1-E99F-68D9-7F73B161927E}"/>
+              </a:ext>
+            </a:extLst>
+          </p:cNvPr>
+          <p:cNvSpPr/>
+          <p:nvPr/>
+        </p:nvSpPr>
+        <p:spPr>
+          <a:xfrm>
+            <a:off x="7738948" y="3037285"/>
+            <a:ext cx="1112837" cy="381000"/>
+          </a:xfrm>
+          <a:prstGeom prst="rect">
+            <a:avLst/>
+          </a:prstGeom>
+        </p:spPr>
+        <p:style>
+          <a:lnRef idx="2">
+            <a:schemeClr val="accent1">
+              <a:shade val="15000"/>
+            </a:schemeClr>
+          </a:lnRef>
+          <a:fillRef idx="1">
+            <a:schemeClr val="accent1"/>
+          </a:fillRef>
+          <a:effectRef idx="0">
+            <a:schemeClr val="accent1"/>
+          </a:effectRef>
+          <a:fontRef idx="minor">
+            <a:schemeClr val="lt1"/>
+          </a:fontRef>
+        </p:style>
+        <p:txBody>
+          <a:bodyPr rtlCol="0" anchor="ctr"/>
+          <a:lstStyle/>
+          <a:p>
+            <a:pPr algn="ctr"/>
+            <a:r>
+              <a:rPr lang="en-US" dirty="0"/>
+              <a:t>M: a=1</a:t>
+            </a:r>
           </a:p>
         </p:txBody>
       </p:sp>
     </p:spTree>
     <p:extLst>
       <p:ext uri="{BB962C8B-B14F-4D97-AF65-F5344CB8AC3E}">
-        <p14:creationId xmlns:p14="http://schemas.microsoft.com/office/powerpoint/2010/main" val="3982594405"/>
+        <p14:creationId xmlns:p14="http://schemas.microsoft.com/office/powerpoint/2010/main" val="2339276974"/>
       </p:ext>
     </p:extLst>
   </p:cSld>
   <p:clrMapOvr>
     <a:masterClrMapping/>
   </p:clrMapOvr>
+  <p:timing>
+    <p:tnLst>
+      <p:par>
+        <p:cTn id="1" dur="indefinite" restart="never" nodeType="tmRoot">
+          <p:childTnLst>
+            <p:seq concurrent="1" nextAc="seek">
+              <p:cTn id="2" dur="indefinite" nodeType="mainSeq">
+                <p:childTnLst>
+                  <p:par>
+                    <p:cTn id="3" fill="hold">
+                      <p:stCondLst>
+                        <p:cond delay="indefinite"/>
+                      </p:stCondLst>
+                      <p:childTnLst>
+                        <p:par>
+                          <p:cTn id="4" fill="hold">
+                            <p:stCondLst>
+                              <p:cond delay="0"/>
+                            </p:stCondLst>
+                            <p:childTnLst>
+                              <p:par>
+                                <p:cTn id="5" presetID="10" presetClass="entr" presetSubtype="0" fill="hold" grpId="0" nodeType="clickEffect">
+                                  <p:stCondLst>
+                                    <p:cond delay="0"/>
+                                  </p:stCondLst>
+                                  <p:childTnLst>
+                                    <p:set>
+                                      <p:cBhvr>
+                                        <p:cTn id="6" dur="1" fill="hold">
+                                          <p:stCondLst>
+                                            <p:cond delay="0"/>
+                                          </p:stCondLst>
+                                        </p:cTn>
+                                        <p:tgtEl>
+                                          <p:spTgt spid="8"/>
+                                        </p:tgtEl>
+                                        <p:attrNameLst>
+                                          <p:attrName>style.visibility</p:attrName>
+                                        </p:attrNameLst>
+                                      </p:cBhvr>
+                                      <p:to>
+                                        <p:strVal val="visible"/>
+                                      </p:to>
+                                    </p:set>
+                                    <p:animEffect transition="in" filter="fade">
+                                      <p:cBhvr>
+                                        <p:cTn id="7" dur="500"/>
+                                        <p:tgtEl>
+                                          <p:spTgt spid="8"/>
+                                        </p:tgtEl>
+                                      </p:cBhvr>
+                                    </p:animEffect>
+                                  </p:childTnLst>
+                                </p:cTn>
+                              </p:par>
+                            </p:childTnLst>
+                          </p:cTn>
+                        </p:par>
+                      </p:childTnLst>
+                    </p:cTn>
+                  </p:par>
+                  <p:par>
+                    <p:cTn id="8" fill="hold">
+                      <p:stCondLst>
+                        <p:cond delay="indefinite"/>
+                      </p:stCondLst>
+                      <p:childTnLst>
+                        <p:par>
+                          <p:cTn id="9" fill="hold">
+                            <p:stCondLst>
+                              <p:cond delay="0"/>
+                            </p:stCondLst>
+                            <p:childTnLst>
+                              <p:par>
+                                <p:cTn id="10" presetID="10" presetClass="entr" presetSubtype="0" fill="hold" grpId="0" nodeType="clickEffect">
+                                  <p:stCondLst>
+                                    <p:cond delay="0"/>
+                                  </p:stCondLst>
+                                  <p:childTnLst>
+                                    <p:set>
+                                      <p:cBhvr>
+                                        <p:cTn id="11" dur="1" fill="hold">
+                                          <p:stCondLst>
+                                            <p:cond delay="0"/>
+                                          </p:stCondLst>
+                                        </p:cTn>
+                                        <p:tgtEl>
+                                          <p:spTgt spid="14"/>
+                                        </p:tgtEl>
+                                        <p:attrNameLst>
+                                          <p:attrName>style.visibility</p:attrName>
+                                        </p:attrNameLst>
+                                      </p:cBhvr>
+                                      <p:to>
+                                        <p:strVal val="visible"/>
+                                      </p:to>
+                                    </p:set>
+                                    <p:animEffect transition="in" filter="fade">
+                                      <p:cBhvr>
+                                        <p:cTn id="12" dur="500"/>
+                                        <p:tgtEl>
+                                          <p:spTgt spid="14"/>
+                                        </p:tgtEl>
+                                      </p:cBhvr>
+                                    </p:animEffect>
+                                  </p:childTnLst>
+                                </p:cTn>
+                              </p:par>
+                            </p:childTnLst>
+                          </p:cTn>
+                        </p:par>
+                      </p:childTnLst>
+                    </p:cTn>
+                  </p:par>
+                  <p:par>
+                    <p:cTn id="13" fill="hold">
+                      <p:stCondLst>
+                        <p:cond delay="indefinite"/>
+                      </p:stCondLst>
+                      <p:childTnLst>
+                        <p:par>
+                          <p:cTn id="14" fill="hold">
+                            <p:stCondLst>
+                              <p:cond delay="0"/>
+                            </p:stCondLst>
+                            <p:childTnLst>
+                              <p:par>
+                                <p:cTn id="15" presetID="10" presetClass="entr" presetSubtype="0" fill="hold" nodeType="clickEffect">
+                                  <p:stCondLst>
+                                    <p:cond delay="0"/>
+                                  </p:stCondLst>
+                                  <p:childTnLst>
+                                    <p:set>
+                                      <p:cBhvr>
+                                        <p:cTn id="16" dur="1" fill="hold">
+                                          <p:stCondLst>
+                                            <p:cond delay="0"/>
+                                          </p:stCondLst>
+                                        </p:cTn>
+                                        <p:tgtEl>
+                                          <p:spTgt spid="9">
+                                            <p:txEl>
+                                              <p:pRg st="0" end="0"/>
+                                            </p:txEl>
+                                          </p:spTgt>
+                                        </p:tgtEl>
+                                        <p:attrNameLst>
+                                          <p:attrName>style.visibility</p:attrName>
+                                        </p:attrNameLst>
+                                      </p:cBhvr>
+                                      <p:to>
+                                        <p:strVal val="visible"/>
+                                      </p:to>
+                                    </p:set>
+                                    <p:animEffect transition="in" filter="fade">
+                                      <p:cBhvr>
+                                        <p:cTn id="17" dur="500"/>
+                                        <p:tgtEl>
+                                          <p:spTgt spid="9">
+                                            <p:txEl>
+                                              <p:pRg st="0" end="0"/>
+                                            </p:txEl>
+                                          </p:spTgt>
+                                        </p:tgtEl>
+                                      </p:cBhvr>
+                                    </p:animEffect>
+                                  </p:childTnLst>
+                                </p:cTn>
+                              </p:par>
+                            </p:childTnLst>
+                          </p:cTn>
+                        </p:par>
+                      </p:childTnLst>
+                    </p:cTn>
+                  </p:par>
+                  <p:par>
+                    <p:cTn id="18" fill="hold">
+                      <p:stCondLst>
+                        <p:cond delay="indefinite"/>
+                      </p:stCondLst>
+                      <p:childTnLst>
+                        <p:par>
+                          <p:cTn id="19" fill="hold">
+                            <p:stCondLst>
+                              <p:cond delay="0"/>
+                            </p:stCondLst>
+                            <p:childTnLst>
+                              <p:par>
+                                <p:cTn id="20" presetID="10" presetClass="entr" presetSubtype="0" fill="hold" grpId="0" nodeType="clickEffect">
+                                  <p:stCondLst>
+                                    <p:cond delay="0"/>
+                                  </p:stCondLst>
+                                  <p:childTnLst>
+                                    <p:set>
+                                      <p:cBhvr>
+                                        <p:cTn id="21" dur="1" fill="hold">
+                                          <p:stCondLst>
+                                            <p:cond delay="0"/>
+                                          </p:stCondLst>
+                                        </p:cTn>
+                                        <p:tgtEl>
+                                          <p:spTgt spid="11"/>
+                                        </p:tgtEl>
+                                        <p:attrNameLst>
+                                          <p:attrName>style.visibility</p:attrName>
+                                        </p:attrNameLst>
+                                      </p:cBhvr>
+                                      <p:to>
+                                        <p:strVal val="visible"/>
+                                      </p:to>
+                                    </p:set>
+                                    <p:animEffect transition="in" filter="fade">
+                                      <p:cBhvr>
+                                        <p:cTn id="22" dur="500"/>
+                                        <p:tgtEl>
+                                          <p:spTgt spid="11"/>
+                                        </p:tgtEl>
+                                      </p:cBhvr>
+                                    </p:animEffect>
+                                  </p:childTnLst>
+                                </p:cTn>
+                              </p:par>
+                            </p:childTnLst>
+                          </p:cTn>
+                        </p:par>
+                      </p:childTnLst>
+                    </p:cTn>
+                  </p:par>
+                  <p:par>
+                    <p:cTn id="23" fill="hold">
+                      <p:stCondLst>
+                        <p:cond delay="indefinite"/>
+                      </p:stCondLst>
+                      <p:childTnLst>
+                        <p:par>
+                          <p:cTn id="24" fill="hold">
+                            <p:stCondLst>
+                              <p:cond delay="0"/>
+                            </p:stCondLst>
+                            <p:childTnLst>
+                              <p:par>
+                                <p:cTn id="25" presetID="10" presetClass="entr" presetSubtype="0" fill="hold" nodeType="clickEffect">
+                                  <p:stCondLst>
+                                    <p:cond delay="0"/>
+                                  </p:stCondLst>
+                                  <p:childTnLst>
+                                    <p:set>
+                                      <p:cBhvr>
+                                        <p:cTn id="26" dur="1" fill="hold">
+                                          <p:stCondLst>
+                                            <p:cond delay="0"/>
+                                          </p:stCondLst>
+                                        </p:cTn>
+                                        <p:tgtEl>
+                                          <p:spTgt spid="10">
+                                            <p:txEl>
+                                              <p:pRg st="0" end="0"/>
+                                            </p:txEl>
+                                          </p:spTgt>
+                                        </p:tgtEl>
+                                        <p:attrNameLst>
+                                          <p:attrName>style.visibility</p:attrName>
+                                        </p:attrNameLst>
+                                      </p:cBhvr>
+                                      <p:to>
+                                        <p:strVal val="visible"/>
+                                      </p:to>
+                                    </p:set>
+                                    <p:animEffect transition="in" filter="fade">
+                                      <p:cBhvr>
+                                        <p:cTn id="27" dur="500"/>
+                                        <p:tgtEl>
+                                          <p:spTgt spid="10">
+                                            <p:txEl>
+                                              <p:pRg st="0" end="0"/>
+                                            </p:txEl>
+                                          </p:spTgt>
+                                        </p:tgtEl>
+                                      </p:cBhvr>
+                                    </p:animEffect>
+                                  </p:childTnLst>
+                                </p:cTn>
+                              </p:par>
+                            </p:childTnLst>
+                          </p:cTn>
+                        </p:par>
+                      </p:childTnLst>
+                    </p:cTn>
+                  </p:par>
+                  <p:par>
+                    <p:cTn id="28" fill="hold">
+                      <p:stCondLst>
+                        <p:cond delay="indefinite"/>
+                      </p:stCondLst>
+                      <p:childTnLst>
+                        <p:par>
+                          <p:cTn id="29" fill="hold">
+                            <p:stCondLst>
+                              <p:cond delay="0"/>
+                            </p:stCondLst>
+                            <p:childTnLst>
+                              <p:par>
+                                <p:cTn id="30" presetID="10" presetClass="entr" presetSubtype="0" fill="hold" grpId="0" nodeType="clickEffect">
+                                  <p:stCondLst>
+                                    <p:cond delay="0"/>
+                                  </p:stCondLst>
+                                  <p:childTnLst>
+                                    <p:set>
+                                      <p:cBhvr>
+                                        <p:cTn id="31" dur="1" fill="hold">
+                                          <p:stCondLst>
+                                            <p:cond delay="0"/>
+                                          </p:stCondLst>
+                                        </p:cTn>
+                                        <p:tgtEl>
+                                          <p:spTgt spid="12"/>
+                                        </p:tgtEl>
+                                        <p:attrNameLst>
+                                          <p:attrName>style.visibility</p:attrName>
+                                        </p:attrNameLst>
+                                      </p:cBhvr>
+                                      <p:to>
+                                        <p:strVal val="visible"/>
+                                      </p:to>
+                                    </p:set>
+                                    <p:animEffect transition="in" filter="fade">
+                                      <p:cBhvr>
+                                        <p:cTn id="32" dur="500"/>
+                                        <p:tgtEl>
+                                          <p:spTgt spid="12"/>
+                                        </p:tgtEl>
+                                      </p:cBhvr>
+                                    </p:animEffect>
+                                  </p:childTnLst>
+                                </p:cTn>
+                              </p:par>
+                              <p:par>
+                                <p:cTn id="33" presetID="10" presetClass="exit" presetSubtype="0" fill="hold" grpId="1" nodeType="withEffect">
+                                  <p:stCondLst>
+                                    <p:cond delay="0"/>
+                                  </p:stCondLst>
+                                  <p:childTnLst>
+                                    <p:animEffect transition="out" filter="fade">
+                                      <p:cBhvr>
+                                        <p:cTn id="34" dur="500"/>
+                                        <p:tgtEl>
+                                          <p:spTgt spid="8"/>
+                                        </p:tgtEl>
+                                      </p:cBhvr>
+                                    </p:animEffect>
+                                    <p:set>
+                                      <p:cBhvr>
+                                        <p:cTn id="35" dur="1" fill="hold">
+                                          <p:stCondLst>
+                                            <p:cond delay="499"/>
+                                          </p:stCondLst>
+                                        </p:cTn>
+                                        <p:tgtEl>
+                                          <p:spTgt spid="8"/>
+                                        </p:tgtEl>
+                                        <p:attrNameLst>
+                                          <p:attrName>style.visibility</p:attrName>
+                                        </p:attrNameLst>
+                                      </p:cBhvr>
+                                      <p:to>
+                                        <p:strVal val="hidden"/>
+                                      </p:to>
+                                    </p:set>
+                                  </p:childTnLst>
+                                </p:cTn>
+                              </p:par>
+                            </p:childTnLst>
+                          </p:cTn>
+                        </p:par>
+                      </p:childTnLst>
+                    </p:cTn>
+                  </p:par>
+                  <p:par>
+                    <p:cTn id="36" fill="hold">
+                      <p:stCondLst>
+                        <p:cond delay="indefinite"/>
+                      </p:stCondLst>
+                      <p:childTnLst>
+                        <p:par>
+                          <p:cTn id="37" fill="hold">
+                            <p:stCondLst>
+                              <p:cond delay="0"/>
+                            </p:stCondLst>
+                            <p:childTnLst>
+                              <p:par>
+                                <p:cTn id="38" presetID="10" presetClass="entr" presetSubtype="0" fill="hold" grpId="0" nodeType="clickEffect">
+                                  <p:stCondLst>
+                                    <p:cond delay="0"/>
+                                  </p:stCondLst>
+                                  <p:childTnLst>
+                                    <p:set>
+                                      <p:cBhvr>
+                                        <p:cTn id="39" dur="1" fill="hold">
+                                          <p:stCondLst>
+                                            <p:cond delay="0"/>
+                                          </p:stCondLst>
+                                        </p:cTn>
+                                        <p:tgtEl>
+                                          <p:spTgt spid="23"/>
+                                        </p:tgtEl>
+                                        <p:attrNameLst>
+                                          <p:attrName>style.visibility</p:attrName>
+                                        </p:attrNameLst>
+                                      </p:cBhvr>
+                                      <p:to>
+                                        <p:strVal val="visible"/>
+                                      </p:to>
+                                    </p:set>
+                                    <p:animEffect transition="in" filter="fade">
+                                      <p:cBhvr>
+                                        <p:cTn id="40" dur="500"/>
+                                        <p:tgtEl>
+                                          <p:spTgt spid="23"/>
+                                        </p:tgtEl>
+                                      </p:cBhvr>
+                                    </p:animEffect>
+                                  </p:childTnLst>
+                                </p:cTn>
+                              </p:par>
+                            </p:childTnLst>
+                          </p:cTn>
+                        </p:par>
+                        <p:par>
+                          <p:cTn id="41" fill="hold">
+                            <p:stCondLst>
+                              <p:cond delay="500"/>
+                            </p:stCondLst>
+                            <p:childTnLst>
+                              <p:par>
+                                <p:cTn id="42" presetID="10" presetClass="exit" presetSubtype="0" fill="hold" grpId="0" nodeType="afterEffect">
+                                  <p:stCondLst>
+                                    <p:cond delay="0"/>
+                                  </p:stCondLst>
+                                  <p:childTnLst>
+                                    <p:animEffect transition="out" filter="fade">
+                                      <p:cBhvr>
+                                        <p:cTn id="43" dur="500"/>
+                                        <p:tgtEl>
+                                          <p:spTgt spid="13"/>
+                                        </p:tgtEl>
+                                      </p:cBhvr>
+                                    </p:animEffect>
+                                    <p:set>
+                                      <p:cBhvr>
+                                        <p:cTn id="44" dur="1" fill="hold">
+                                          <p:stCondLst>
+                                            <p:cond delay="499"/>
+                                          </p:stCondLst>
+                                        </p:cTn>
+                                        <p:tgtEl>
+                                          <p:spTgt spid="13"/>
+                                        </p:tgtEl>
+                                        <p:attrNameLst>
+                                          <p:attrName>style.visibility</p:attrName>
+                                        </p:attrNameLst>
+                                      </p:cBhvr>
+                                      <p:to>
+                                        <p:strVal val="hidden"/>
+                                      </p:to>
+                                    </p:set>
+                                  </p:childTnLst>
+                                </p:cTn>
+                              </p:par>
+                            </p:childTnLst>
+                          </p:cTn>
+                        </p:par>
+                      </p:childTnLst>
+                    </p:cTn>
+                  </p:par>
+                  <p:par>
+                    <p:cTn id="45" fill="hold">
+                      <p:stCondLst>
+                        <p:cond delay="indefinite"/>
+                      </p:stCondLst>
+                      <p:childTnLst>
+                        <p:par>
+                          <p:cTn id="46" fill="hold">
+                            <p:stCondLst>
+                              <p:cond delay="0"/>
+                            </p:stCondLst>
+                            <p:childTnLst>
+                              <p:par>
+                                <p:cTn id="47" presetID="10" presetClass="entr" presetSubtype="0" fill="hold" nodeType="clickEffect">
+                                  <p:stCondLst>
+                                    <p:cond delay="0"/>
+                                  </p:stCondLst>
+                                  <p:childTnLst>
+                                    <p:set>
+                                      <p:cBhvr>
+                                        <p:cTn id="48" dur="1" fill="hold">
+                                          <p:stCondLst>
+                                            <p:cond delay="0"/>
+                                          </p:stCondLst>
+                                        </p:cTn>
+                                        <p:tgtEl>
+                                          <p:spTgt spid="9">
+                                            <p:txEl>
+                                              <p:pRg st="1" end="1"/>
+                                            </p:txEl>
+                                          </p:spTgt>
+                                        </p:tgtEl>
+                                        <p:attrNameLst>
+                                          <p:attrName>style.visibility</p:attrName>
+                                        </p:attrNameLst>
+                                      </p:cBhvr>
+                                      <p:to>
+                                        <p:strVal val="visible"/>
+                                      </p:to>
+                                    </p:set>
+                                    <p:animEffect transition="in" filter="fade">
+                                      <p:cBhvr>
+                                        <p:cTn id="49" dur="500"/>
+                                        <p:tgtEl>
+                                          <p:spTgt spid="9">
+                                            <p:txEl>
+                                              <p:pRg st="1" end="1"/>
+                                            </p:txEl>
+                                          </p:spTgt>
+                                        </p:tgtEl>
+                                      </p:cBhvr>
+                                    </p:animEffect>
+                                  </p:childTnLst>
+                                </p:cTn>
+                              </p:par>
+                            </p:childTnLst>
+                          </p:cTn>
+                        </p:par>
+                      </p:childTnLst>
+                    </p:cTn>
+                  </p:par>
+                  <p:par>
+                    <p:cTn id="50" fill="hold">
+                      <p:stCondLst>
+                        <p:cond delay="indefinite"/>
+                      </p:stCondLst>
+                      <p:childTnLst>
+                        <p:par>
+                          <p:cTn id="51" fill="hold">
+                            <p:stCondLst>
+                              <p:cond delay="0"/>
+                            </p:stCondLst>
+                            <p:childTnLst>
+                              <p:par>
+                                <p:cTn id="52" presetID="10" presetClass="entr" presetSubtype="0" fill="hold" nodeType="clickEffect">
+                                  <p:stCondLst>
+                                    <p:cond delay="0"/>
+                                  </p:stCondLst>
+                                  <p:childTnLst>
+                                    <p:set>
+                                      <p:cBhvr>
+                                        <p:cTn id="53" dur="1" fill="hold">
+                                          <p:stCondLst>
+                                            <p:cond delay="0"/>
+                                          </p:stCondLst>
+                                        </p:cTn>
+                                        <p:tgtEl>
+                                          <p:spTgt spid="9">
+                                            <p:txEl>
+                                              <p:pRg st="2" end="2"/>
+                                            </p:txEl>
+                                          </p:spTgt>
+                                        </p:tgtEl>
+                                        <p:attrNameLst>
+                                          <p:attrName>style.visibility</p:attrName>
+                                        </p:attrNameLst>
+                                      </p:cBhvr>
+                                      <p:to>
+                                        <p:strVal val="visible"/>
+                                      </p:to>
+                                    </p:set>
+                                    <p:animEffect transition="in" filter="fade">
+                                      <p:cBhvr>
+                                        <p:cTn id="54" dur="500"/>
+                                        <p:tgtEl>
+                                          <p:spTgt spid="9">
+                                            <p:txEl>
+                                              <p:pRg st="2" end="2"/>
+                                            </p:txEl>
+                                          </p:spTgt>
+                                        </p:tgtEl>
+                                      </p:cBhvr>
+                                    </p:animEffect>
+                                  </p:childTnLst>
+                                </p:cTn>
+                              </p:par>
+                            </p:childTnLst>
+                          </p:cTn>
+                        </p:par>
+                      </p:childTnLst>
+                    </p:cTn>
+                  </p:par>
+                  <p:par>
+                    <p:cTn id="55" fill="hold">
+                      <p:stCondLst>
+                        <p:cond delay="indefinite"/>
+                      </p:stCondLst>
+                      <p:childTnLst>
+                        <p:par>
+                          <p:cTn id="56" fill="hold">
+                            <p:stCondLst>
+                              <p:cond delay="0"/>
+                            </p:stCondLst>
+                            <p:childTnLst>
+                              <p:par>
+                                <p:cTn id="57" presetID="10" presetClass="entr" presetSubtype="0" fill="hold" grpId="0" nodeType="clickEffect">
+                                  <p:stCondLst>
+                                    <p:cond delay="0"/>
+                                  </p:stCondLst>
+                                  <p:childTnLst>
+                                    <p:set>
+                                      <p:cBhvr>
+                                        <p:cTn id="58" dur="1" fill="hold">
+                                          <p:stCondLst>
+                                            <p:cond delay="0"/>
+                                          </p:stCondLst>
+                                        </p:cTn>
+                                        <p:tgtEl>
+                                          <p:spTgt spid="24"/>
+                                        </p:tgtEl>
+                                        <p:attrNameLst>
+                                          <p:attrName>style.visibility</p:attrName>
+                                        </p:attrNameLst>
+                                      </p:cBhvr>
+                                      <p:to>
+                                        <p:strVal val="visible"/>
+                                      </p:to>
+                                    </p:set>
+                                    <p:animEffect transition="in" filter="fade">
+                                      <p:cBhvr>
+                                        <p:cTn id="59" dur="500"/>
+                                        <p:tgtEl>
+                                          <p:spTgt spid="24"/>
+                                        </p:tgtEl>
+                                      </p:cBhvr>
+                                    </p:animEffect>
+                                  </p:childTnLst>
+                                </p:cTn>
+                              </p:par>
+                            </p:childTnLst>
+                          </p:cTn>
+                        </p:par>
+                        <p:par>
+                          <p:cTn id="60" fill="hold">
+                            <p:stCondLst>
+                              <p:cond delay="500"/>
+                            </p:stCondLst>
+                            <p:childTnLst>
+                              <p:par>
+                                <p:cTn id="61" presetID="10" presetClass="exit" presetSubtype="0" fill="hold" grpId="1" nodeType="afterEffect">
+                                  <p:stCondLst>
+                                    <p:cond delay="0"/>
+                                  </p:stCondLst>
+                                  <p:childTnLst>
+                                    <p:animEffect transition="out" filter="fade">
+                                      <p:cBhvr>
+                                        <p:cTn id="62" dur="500"/>
+                                        <p:tgtEl>
+                                          <p:spTgt spid="23"/>
+                                        </p:tgtEl>
+                                      </p:cBhvr>
+                                    </p:animEffect>
+                                    <p:set>
+                                      <p:cBhvr>
+                                        <p:cTn id="63" dur="1" fill="hold">
+                                          <p:stCondLst>
+                                            <p:cond delay="499"/>
+                                          </p:stCondLst>
+                                        </p:cTn>
+                                        <p:tgtEl>
+                                          <p:spTgt spid="23"/>
+                                        </p:tgtEl>
+                                        <p:attrNameLst>
+                                          <p:attrName>style.visibility</p:attrName>
+                                        </p:attrNameLst>
+                                      </p:cBhvr>
+                                      <p:to>
+                                        <p:strVal val="hidden"/>
+                                      </p:to>
+                                    </p:set>
+                                  </p:childTnLst>
+                                </p:cTn>
+                              </p:par>
+                            </p:childTnLst>
+                          </p:cTn>
+                        </p:par>
+                      </p:childTnLst>
+                    </p:cTn>
+                  </p:par>
+                  <p:par>
+                    <p:cTn id="64" fill="hold">
+                      <p:stCondLst>
+                        <p:cond delay="indefinite"/>
+                      </p:stCondLst>
+                      <p:childTnLst>
+                        <p:par>
+                          <p:cTn id="65" fill="hold">
+                            <p:stCondLst>
+                              <p:cond delay="0"/>
+                            </p:stCondLst>
+                            <p:childTnLst>
+                              <p:par>
+                                <p:cTn id="66" presetID="10" presetClass="entr" presetSubtype="0" fill="hold" nodeType="clickEffect">
+                                  <p:stCondLst>
+                                    <p:cond delay="0"/>
+                                  </p:stCondLst>
+                                  <p:childTnLst>
+                                    <p:set>
+                                      <p:cBhvr>
+                                        <p:cTn id="67" dur="1" fill="hold">
+                                          <p:stCondLst>
+                                            <p:cond delay="0"/>
+                                          </p:stCondLst>
+                                        </p:cTn>
+                                        <p:tgtEl>
+                                          <p:spTgt spid="10">
+                                            <p:txEl>
+                                              <p:pRg st="1" end="1"/>
+                                            </p:txEl>
+                                          </p:spTgt>
+                                        </p:tgtEl>
+                                        <p:attrNameLst>
+                                          <p:attrName>style.visibility</p:attrName>
+                                        </p:attrNameLst>
+                                      </p:cBhvr>
+                                      <p:to>
+                                        <p:strVal val="visible"/>
+                                      </p:to>
+                                    </p:set>
+                                    <p:animEffect transition="in" filter="fade">
+                                      <p:cBhvr>
+                                        <p:cTn id="68" dur="500"/>
+                                        <p:tgtEl>
+                                          <p:spTgt spid="10">
+                                            <p:txEl>
+                                              <p:pRg st="1" end="1"/>
+                                            </p:txEl>
+                                          </p:spTgt>
+                                        </p:tgtEl>
+                                      </p:cBhvr>
+                                    </p:animEffect>
+                                  </p:childTnLst>
+                                </p:cTn>
+                              </p:par>
+                            </p:childTnLst>
+                          </p:cTn>
+                        </p:par>
+                      </p:childTnLst>
+                    </p:cTn>
+                  </p:par>
+                  <p:par>
+                    <p:cTn id="69" fill="hold">
+                      <p:stCondLst>
+                        <p:cond delay="indefinite"/>
+                      </p:stCondLst>
+                      <p:childTnLst>
+                        <p:par>
+                          <p:cTn id="70" fill="hold">
+                            <p:stCondLst>
+                              <p:cond delay="0"/>
+                            </p:stCondLst>
+                            <p:childTnLst>
+                              <p:par>
+                                <p:cTn id="71" presetID="10" presetClass="entr" presetSubtype="0" fill="hold" grpId="0" nodeType="clickEffect">
+                                  <p:stCondLst>
+                                    <p:cond delay="0"/>
+                                  </p:stCondLst>
+                                  <p:childTnLst>
+                                    <p:set>
+                                      <p:cBhvr>
+                                        <p:cTn id="72" dur="1" fill="hold">
+                                          <p:stCondLst>
+                                            <p:cond delay="0"/>
+                                          </p:stCondLst>
+                                        </p:cTn>
+                                        <p:tgtEl>
+                                          <p:spTgt spid="26"/>
+                                        </p:tgtEl>
+                                        <p:attrNameLst>
+                                          <p:attrName>style.visibility</p:attrName>
+                                        </p:attrNameLst>
+                                      </p:cBhvr>
+                                      <p:to>
+                                        <p:strVal val="visible"/>
+                                      </p:to>
+                                    </p:set>
+                                    <p:animEffect transition="in" filter="fade">
+                                      <p:cBhvr>
+                                        <p:cTn id="73" dur="500"/>
+                                        <p:tgtEl>
+                                          <p:spTgt spid="26"/>
+                                        </p:tgtEl>
+                                      </p:cBhvr>
+                                    </p:animEffect>
+                                  </p:childTnLst>
+                                </p:cTn>
+                              </p:par>
+                            </p:childTnLst>
+                          </p:cTn>
+                        </p:par>
+                      </p:childTnLst>
+                    </p:cTn>
+                  </p:par>
+                  <p:par>
+                    <p:cTn id="74" fill="hold">
+                      <p:stCondLst>
+                        <p:cond delay="indefinite"/>
+                      </p:stCondLst>
+                      <p:childTnLst>
+                        <p:par>
+                          <p:cTn id="75" fill="hold">
+                            <p:stCondLst>
+                              <p:cond delay="0"/>
+                            </p:stCondLst>
+                            <p:childTnLst>
+                              <p:par>
+                                <p:cTn id="76" presetID="10" presetClass="entr" presetSubtype="0" fill="hold" nodeType="clickEffect">
+                                  <p:stCondLst>
+                                    <p:cond delay="0"/>
+                                  </p:stCondLst>
+                                  <p:childTnLst>
+                                    <p:set>
+                                      <p:cBhvr>
+                                        <p:cTn id="77" dur="1" fill="hold">
+                                          <p:stCondLst>
+                                            <p:cond delay="0"/>
+                                          </p:stCondLst>
+                                        </p:cTn>
+                                        <p:tgtEl>
+                                          <p:spTgt spid="10">
+                                            <p:txEl>
+                                              <p:pRg st="2" end="2"/>
+                                            </p:txEl>
+                                          </p:spTgt>
+                                        </p:tgtEl>
+                                        <p:attrNameLst>
+                                          <p:attrName>style.visibility</p:attrName>
+                                        </p:attrNameLst>
+                                      </p:cBhvr>
+                                      <p:to>
+                                        <p:strVal val="visible"/>
+                                      </p:to>
+                                    </p:set>
+                                    <p:animEffect transition="in" filter="fade">
+                                      <p:cBhvr>
+                                        <p:cTn id="78" dur="500"/>
+                                        <p:tgtEl>
+                                          <p:spTgt spid="10">
+                                            <p:txEl>
+                                              <p:pRg st="2" end="2"/>
+                                            </p:txEl>
+                                          </p:spTgt>
+                                        </p:tgtEl>
+                                      </p:cBhvr>
+                                    </p:animEffect>
+                                  </p:childTnLst>
+                                </p:cTn>
+                              </p:par>
+                            </p:childTnLst>
+                          </p:cTn>
+                        </p:par>
+                      </p:childTnLst>
+                    </p:cTn>
+                  </p:par>
+                  <p:par>
+                    <p:cTn id="79" fill="hold">
+                      <p:stCondLst>
+                        <p:cond delay="indefinite"/>
+                      </p:stCondLst>
+                      <p:childTnLst>
+                        <p:par>
+                          <p:cTn id="80" fill="hold">
+                            <p:stCondLst>
+                              <p:cond delay="0"/>
+                            </p:stCondLst>
+                            <p:childTnLst>
+                              <p:par>
+                                <p:cTn id="81" presetID="10" presetClass="entr" presetSubtype="0" fill="hold" nodeType="clickEffect">
+                                  <p:stCondLst>
+                                    <p:cond delay="0"/>
+                                  </p:stCondLst>
+                                  <p:childTnLst>
+                                    <p:set>
+                                      <p:cBhvr>
+                                        <p:cTn id="82" dur="1" fill="hold">
+                                          <p:stCondLst>
+                                            <p:cond delay="0"/>
+                                          </p:stCondLst>
+                                        </p:cTn>
+                                        <p:tgtEl>
+                                          <p:spTgt spid="10">
+                                            <p:txEl>
+                                              <p:pRg st="3" end="3"/>
+                                            </p:txEl>
+                                          </p:spTgt>
+                                        </p:tgtEl>
+                                        <p:attrNameLst>
+                                          <p:attrName>style.visibility</p:attrName>
+                                        </p:attrNameLst>
+                                      </p:cBhvr>
+                                      <p:to>
+                                        <p:strVal val="visible"/>
+                                      </p:to>
+                                    </p:set>
+                                    <p:animEffect transition="in" filter="fade">
+                                      <p:cBhvr>
+                                        <p:cTn id="83" dur="500"/>
+                                        <p:tgtEl>
+                                          <p:spTgt spid="10">
+                                            <p:txEl>
+                                              <p:pRg st="3" end="3"/>
+                                            </p:txEl>
+                                          </p:spTgt>
+                                        </p:tgtEl>
+                                      </p:cBhvr>
+                                    </p:animEffect>
+                                  </p:childTnLst>
+                                </p:cTn>
+                              </p:par>
+                            </p:childTnLst>
+                          </p:cTn>
+                        </p:par>
+                      </p:childTnLst>
+                    </p:cTn>
+                  </p:par>
+                  <p:par>
+                    <p:cTn id="84" fill="hold">
+                      <p:stCondLst>
+                        <p:cond delay="indefinite"/>
+                      </p:stCondLst>
+                      <p:childTnLst>
+                        <p:par>
+                          <p:cTn id="85" fill="hold">
+                            <p:stCondLst>
+                              <p:cond delay="0"/>
+                            </p:stCondLst>
+                            <p:childTnLst>
+                              <p:par>
+                                <p:cTn id="86" presetID="10" presetClass="entr" presetSubtype="0" fill="hold" grpId="0" nodeType="clickEffect">
+                                  <p:stCondLst>
+                                    <p:cond delay="0"/>
+                                  </p:stCondLst>
+                                  <p:childTnLst>
+                                    <p:set>
+                                      <p:cBhvr>
+                                        <p:cTn id="87" dur="1" fill="hold">
+                                          <p:stCondLst>
+                                            <p:cond delay="0"/>
+                                          </p:stCondLst>
+                                        </p:cTn>
+                                        <p:tgtEl>
+                                          <p:spTgt spid="27"/>
+                                        </p:tgtEl>
+                                        <p:attrNameLst>
+                                          <p:attrName>style.visibility</p:attrName>
+                                        </p:attrNameLst>
+                                      </p:cBhvr>
+                                      <p:to>
+                                        <p:strVal val="visible"/>
+                                      </p:to>
+                                    </p:set>
+                                    <p:animEffect transition="in" filter="fade">
+                                      <p:cBhvr>
+                                        <p:cTn id="88" dur="500"/>
+                                        <p:tgtEl>
+                                          <p:spTgt spid="27"/>
+                                        </p:tgtEl>
+                                      </p:cBhvr>
+                                    </p:animEffect>
+                                  </p:childTnLst>
+                                </p:cTn>
+                              </p:par>
+                            </p:childTnLst>
+                          </p:cTn>
+                        </p:par>
+                      </p:childTnLst>
+                    </p:cTn>
+                  </p:par>
+                  <p:par>
+                    <p:cTn id="89" fill="hold">
+                      <p:stCondLst>
+                        <p:cond delay="indefinite"/>
+                      </p:stCondLst>
+                      <p:childTnLst>
+                        <p:par>
+                          <p:cTn id="90" fill="hold">
+                            <p:stCondLst>
+                              <p:cond delay="0"/>
+                            </p:stCondLst>
+                            <p:childTnLst>
+                              <p:par>
+                                <p:cTn id="91" presetID="10" presetClass="entr" presetSubtype="0" fill="hold" grpId="0" nodeType="clickEffect">
+                                  <p:stCondLst>
+                                    <p:cond delay="0"/>
+                                  </p:stCondLst>
+                                  <p:childTnLst>
+                                    <p:set>
+                                      <p:cBhvr>
+                                        <p:cTn id="92" dur="1" fill="hold">
+                                          <p:stCondLst>
+                                            <p:cond delay="0"/>
+                                          </p:stCondLst>
+                                        </p:cTn>
+                                        <p:tgtEl>
+                                          <p:spTgt spid="28"/>
+                                        </p:tgtEl>
+                                        <p:attrNameLst>
+                                          <p:attrName>style.visibility</p:attrName>
+                                        </p:attrNameLst>
+                                      </p:cBhvr>
+                                      <p:to>
+                                        <p:strVal val="visible"/>
+                                      </p:to>
+                                    </p:set>
+                                    <p:animEffect transition="in" filter="fade">
+                                      <p:cBhvr>
+                                        <p:cTn id="93" dur="500"/>
+                                        <p:tgtEl>
+                                          <p:spTgt spid="28"/>
+                                        </p:tgtEl>
+                                      </p:cBhvr>
+                                    </p:animEffect>
+                                  </p:childTnLst>
+                                </p:cTn>
+                              </p:par>
+                            </p:childTnLst>
+                          </p:cTn>
+                        </p:par>
+                        <p:par>
+                          <p:cTn id="94" fill="hold">
+                            <p:stCondLst>
+                              <p:cond delay="500"/>
+                            </p:stCondLst>
+                            <p:childTnLst>
+                              <p:par>
+                                <p:cTn id="95" presetID="10" presetClass="exit" presetSubtype="0" fill="hold" grpId="1" nodeType="afterEffect">
+                                  <p:stCondLst>
+                                    <p:cond delay="0"/>
+                                  </p:stCondLst>
+                                  <p:childTnLst>
+                                    <p:animEffect transition="out" filter="fade">
+                                      <p:cBhvr>
+                                        <p:cTn id="96" dur="500"/>
+                                        <p:tgtEl>
+                                          <p:spTgt spid="11"/>
+                                        </p:tgtEl>
+                                      </p:cBhvr>
+                                    </p:animEffect>
+                                    <p:set>
+                                      <p:cBhvr>
+                                        <p:cTn id="97" dur="1" fill="hold">
+                                          <p:stCondLst>
+                                            <p:cond delay="499"/>
+                                          </p:stCondLst>
+                                        </p:cTn>
+                                        <p:tgtEl>
+                                          <p:spTgt spid="11"/>
+                                        </p:tgtEl>
+                                        <p:attrNameLst>
+                                          <p:attrName>style.visibility</p:attrName>
+                                        </p:attrNameLst>
+                                      </p:cBhvr>
+                                      <p:to>
+                                        <p:strVal val="hidden"/>
+                                      </p:to>
+                                    </p:set>
+                                  </p:childTnLst>
+                                </p:cTn>
+                              </p:par>
+                            </p:childTnLst>
+                          </p:cTn>
+                        </p:par>
+                      </p:childTnLst>
+                    </p:cTn>
+                  </p:par>
+                  <p:par>
+                    <p:cTn id="98" fill="hold">
+                      <p:stCondLst>
+                        <p:cond delay="indefinite"/>
+                      </p:stCondLst>
+                      <p:childTnLst>
+                        <p:par>
+                          <p:cTn id="99" fill="hold">
+                            <p:stCondLst>
+                              <p:cond delay="0"/>
+                            </p:stCondLst>
+                            <p:childTnLst>
+                              <p:par>
+                                <p:cTn id="100" presetID="3" presetClass="emph" presetSubtype="2" fill="hold" nodeType="clickEffect">
+                                  <p:stCondLst>
+                                    <p:cond delay="0"/>
+                                  </p:stCondLst>
+                                  <p:childTnLst>
+                                    <p:animClr clrSpc="rgb" dir="cw">
+                                      <p:cBhvr override="childStyle">
+                                        <p:cTn id="101" dur="2000" fill="hold"/>
+                                        <p:tgtEl>
+                                          <p:spTgt spid="7">
+                                            <p:txEl>
+                                              <p:pRg st="9" end="9"/>
+                                            </p:txEl>
+                                          </p:spTgt>
+                                        </p:tgtEl>
+                                        <p:attrNameLst>
+                                          <p:attrName>style.color</p:attrName>
+                                        </p:attrNameLst>
+                                      </p:cBhvr>
+                                      <p:to>
+                                        <a:srgbClr val="FF0000"/>
+                                      </p:to>
+                                    </p:animClr>
+                                  </p:childTnLst>
+                                </p:cTn>
+                              </p:par>
+                            </p:childTnLst>
+                          </p:cTn>
+                        </p:par>
+                      </p:childTnLst>
+                    </p:cTn>
+                  </p:par>
+                  <p:par>
+                    <p:cTn id="102" fill="hold">
+                      <p:stCondLst>
+                        <p:cond delay="indefinite"/>
+                      </p:stCondLst>
+                      <p:childTnLst>
+                        <p:par>
+                          <p:cTn id="103" fill="hold">
+                            <p:stCondLst>
+                              <p:cond delay="0"/>
+                            </p:stCondLst>
+                            <p:childTnLst>
+                              <p:par>
+                                <p:cTn id="104" presetID="10" presetClass="exit" presetSubtype="0" fill="hold" grpId="1" nodeType="clickEffect">
+                                  <p:stCondLst>
+                                    <p:cond delay="0"/>
+                                  </p:stCondLst>
+                                  <p:childTnLst>
+                                    <p:animEffect transition="out" filter="fade">
+                                      <p:cBhvr>
+                                        <p:cTn id="105" dur="500"/>
+                                        <p:tgtEl>
+                                          <p:spTgt spid="26"/>
+                                        </p:tgtEl>
+                                      </p:cBhvr>
+                                    </p:animEffect>
+                                    <p:set>
+                                      <p:cBhvr>
+                                        <p:cTn id="106" dur="1" fill="hold">
+                                          <p:stCondLst>
+                                            <p:cond delay="499"/>
+                                          </p:stCondLst>
+                                        </p:cTn>
+                                        <p:tgtEl>
+                                          <p:spTgt spid="26"/>
+                                        </p:tgtEl>
+                                        <p:attrNameLst>
+                                          <p:attrName>style.visibility</p:attrName>
+                                        </p:attrNameLst>
+                                      </p:cBhvr>
+                                      <p:to>
+                                        <p:strVal val="hidden"/>
+                                      </p:to>
+                                    </p:set>
+                                  </p:childTnLst>
+                                </p:cTn>
+                              </p:par>
+                            </p:childTnLst>
+                          </p:cTn>
+                        </p:par>
+                      </p:childTnLst>
+                    </p:cTn>
+                  </p:par>
+                  <p:par>
+                    <p:cTn id="107" fill="hold">
+                      <p:stCondLst>
+                        <p:cond delay="indefinite"/>
+                      </p:stCondLst>
+                      <p:childTnLst>
+                        <p:par>
+                          <p:cTn id="108" fill="hold">
+                            <p:stCondLst>
+                              <p:cond delay="0"/>
+                            </p:stCondLst>
+                            <p:childTnLst>
+                              <p:par>
+                                <p:cTn id="109" presetID="10" presetClass="entr" presetSubtype="0" fill="hold" nodeType="clickEffect">
+                                  <p:stCondLst>
+                                    <p:cond delay="0"/>
+                                  </p:stCondLst>
+                                  <p:childTnLst>
+                                    <p:set>
+                                      <p:cBhvr>
+                                        <p:cTn id="110" dur="1" fill="hold">
+                                          <p:stCondLst>
+                                            <p:cond delay="0"/>
+                                          </p:stCondLst>
+                                        </p:cTn>
+                                        <p:tgtEl>
+                                          <p:spTgt spid="9">
+                                            <p:txEl>
+                                              <p:pRg st="3" end="3"/>
+                                            </p:txEl>
+                                          </p:spTgt>
+                                        </p:tgtEl>
+                                        <p:attrNameLst>
+                                          <p:attrName>style.visibility</p:attrName>
+                                        </p:attrNameLst>
+                                      </p:cBhvr>
+                                      <p:to>
+                                        <p:strVal val="visible"/>
+                                      </p:to>
+                                    </p:set>
+                                    <p:animEffect transition="in" filter="fade">
+                                      <p:cBhvr>
+                                        <p:cTn id="111" dur="500"/>
+                                        <p:tgtEl>
+                                          <p:spTgt spid="9">
+                                            <p:txEl>
+                                              <p:pRg st="3" end="3"/>
+                                            </p:txEl>
+                                          </p:spTgt>
+                                        </p:tgtEl>
+                                      </p:cBhvr>
+                                    </p:animEffect>
+                                  </p:childTnLst>
+                                </p:cTn>
+                              </p:par>
+                            </p:childTnLst>
+                          </p:cTn>
+                        </p:par>
+                      </p:childTnLst>
+                    </p:cTn>
+                  </p:par>
+                  <p:par>
+                    <p:cTn id="112" fill="hold">
+                      <p:stCondLst>
+                        <p:cond delay="indefinite"/>
+                      </p:stCondLst>
+                      <p:childTnLst>
+                        <p:par>
+                          <p:cTn id="113" fill="hold">
+                            <p:stCondLst>
+                              <p:cond delay="0"/>
+                            </p:stCondLst>
+                            <p:childTnLst>
+                              <p:par>
+                                <p:cTn id="114" presetID="10" presetClass="exit" presetSubtype="0" fill="hold" grpId="0" nodeType="clickEffect">
+                                  <p:stCondLst>
+                                    <p:cond delay="0"/>
+                                  </p:stCondLst>
+                                  <p:childTnLst>
+                                    <p:animEffect transition="out" filter="fade">
+                                      <p:cBhvr>
+                                        <p:cTn id="115" dur="500"/>
+                                        <p:tgtEl>
+                                          <p:spTgt spid="20"/>
+                                        </p:tgtEl>
+                                      </p:cBhvr>
+                                    </p:animEffect>
+                                    <p:set>
+                                      <p:cBhvr>
+                                        <p:cTn id="116" dur="1" fill="hold">
+                                          <p:stCondLst>
+                                            <p:cond delay="499"/>
+                                          </p:stCondLst>
+                                        </p:cTn>
+                                        <p:tgtEl>
+                                          <p:spTgt spid="20"/>
+                                        </p:tgtEl>
+                                        <p:attrNameLst>
+                                          <p:attrName>style.visibility</p:attrName>
+                                        </p:attrNameLst>
+                                      </p:cBhvr>
+                                      <p:to>
+                                        <p:strVal val="hidden"/>
+                                      </p:to>
+                                    </p:set>
+                                  </p:childTnLst>
+                                </p:cTn>
+                              </p:par>
+                            </p:childTnLst>
+                          </p:cTn>
+                        </p:par>
+                      </p:childTnLst>
+                    </p:cTn>
+                  </p:par>
+                  <p:par>
+                    <p:cTn id="117" fill="hold">
+                      <p:stCondLst>
+                        <p:cond delay="indefinite"/>
+                      </p:stCondLst>
+                      <p:childTnLst>
+                        <p:par>
+                          <p:cTn id="118" fill="hold">
+                            <p:stCondLst>
+                              <p:cond delay="0"/>
+                            </p:stCondLst>
+                            <p:childTnLst>
+                              <p:par>
+                                <p:cTn id="119" presetID="10" presetClass="exit" presetSubtype="0" fill="hold" grpId="1" nodeType="clickEffect">
+                                  <p:stCondLst>
+                                    <p:cond delay="0"/>
+                                  </p:stCondLst>
+                                  <p:childTnLst>
+                                    <p:animEffect transition="out" filter="fade">
+                                      <p:cBhvr>
+                                        <p:cTn id="120" dur="500"/>
+                                        <p:tgtEl>
+                                          <p:spTgt spid="14"/>
+                                        </p:tgtEl>
+                                      </p:cBhvr>
+                                    </p:animEffect>
+                                    <p:set>
+                                      <p:cBhvr>
+                                        <p:cTn id="121" dur="1" fill="hold">
+                                          <p:stCondLst>
+                                            <p:cond delay="499"/>
+                                          </p:stCondLst>
+                                        </p:cTn>
+                                        <p:tgtEl>
+                                          <p:spTgt spid="14"/>
+                                        </p:tgtEl>
+                                        <p:attrNameLst>
+                                          <p:attrName>style.visibility</p:attrName>
+                                        </p:attrNameLst>
+                                      </p:cBhvr>
+                                      <p:to>
+                                        <p:strVal val="hidden"/>
+                                      </p:to>
+                                    </p:set>
+                                  </p:childTnLst>
+                                </p:cTn>
+                              </p:par>
+                            </p:childTnLst>
+                          </p:cTn>
+                        </p:par>
+                      </p:childTnLst>
+                    </p:cTn>
+                  </p:par>
+                  <p:par>
+                    <p:cTn id="122" fill="hold">
+                      <p:stCondLst>
+                        <p:cond delay="indefinite"/>
+                      </p:stCondLst>
+                      <p:childTnLst>
+                        <p:par>
+                          <p:cTn id="123" fill="hold">
+                            <p:stCondLst>
+                              <p:cond delay="0"/>
+                            </p:stCondLst>
+                            <p:childTnLst>
+                              <p:par>
+                                <p:cTn id="124" presetID="10" presetClass="entr" presetSubtype="0" fill="hold" grpId="0" nodeType="clickEffect">
+                                  <p:stCondLst>
+                                    <p:cond delay="0"/>
+                                  </p:stCondLst>
+                                  <p:childTnLst>
+                                    <p:set>
+                                      <p:cBhvr>
+                                        <p:cTn id="125" dur="1" fill="hold">
+                                          <p:stCondLst>
+                                            <p:cond delay="0"/>
+                                          </p:stCondLst>
+                                        </p:cTn>
+                                        <p:tgtEl>
+                                          <p:spTgt spid="29"/>
+                                        </p:tgtEl>
+                                        <p:attrNameLst>
+                                          <p:attrName>style.visibility</p:attrName>
+                                        </p:attrNameLst>
+                                      </p:cBhvr>
+                                      <p:to>
+                                        <p:strVal val="visible"/>
+                                      </p:to>
+                                    </p:set>
+                                    <p:animEffect transition="in" filter="fade">
+                                      <p:cBhvr>
+                                        <p:cTn id="126" dur="500"/>
+                                        <p:tgtEl>
+                                          <p:spTgt spid="29"/>
+                                        </p:tgtEl>
+                                      </p:cBhvr>
+                                    </p:animEffect>
+                                  </p:childTnLst>
+                                </p:cTn>
+                              </p:par>
+                            </p:childTnLst>
+                          </p:cTn>
+                        </p:par>
+                      </p:childTnLst>
+                    </p:cTn>
+                  </p:par>
+                </p:childTnLst>
+              </p:cTn>
+              <p:prevCondLst>
+                <p:cond evt="onPrev" delay="0">
+                  <p:tgtEl>
+                    <p:sldTgt/>
+                  </p:tgtEl>
+                </p:cond>
+              </p:prevCondLst>
+              <p:nextCondLst>
+                <p:cond evt="onNext" delay="0">
+                  <p:tgtEl>
+                    <p:sldTgt/>
+                  </p:tgtEl>
+                </p:cond>
+              </p:nextCondLst>
+            </p:seq>
+          </p:childTnLst>
+        </p:cTn>
+      </p:par>
+    </p:tnLst>
+    <p:bldLst>
+      <p:bldP spid="8" grpId="0" animBg="1"/>
+      <p:bldP spid="8" grpId="1" animBg="1"/>
+      <p:bldP spid="11" grpId="0" animBg="1"/>
+      <p:bldP spid="11" grpId="1" animBg="1"/>
+      <p:bldP spid="12" grpId="0" animBg="1"/>
+      <p:bldP spid="13" grpId="0" animBg="1"/>
+      <p:bldP spid="14" grpId="0" animBg="1"/>
+      <p:bldP spid="14" grpId="1" animBg="1"/>
+      <p:bldP spid="20" grpId="0" animBg="1"/>
+      <p:bldP spid="23" grpId="0" animBg="1"/>
+      <p:bldP spid="23" grpId="1" animBg="1"/>
+      <p:bldP spid="24" grpId="0" animBg="1"/>
+      <p:bldP spid="26" grpId="0" animBg="1"/>
+      <p:bldP spid="26" grpId="1" animBg="1"/>
+      <p:bldP spid="27" grpId="0" animBg="1"/>
+      <p:bldP spid="28" grpId="0" animBg="1"/>
+      <p:bldP spid="29" grpId="0" animBg="1"/>
+    </p:bldLst>
+  </p:timing>
 </p:sld>
 </file>
 
@@ -37025,6 +40833,1159 @@
     <p:extLst>
       <p:ext uri="{BB962C8B-B14F-4D97-AF65-F5344CB8AC3E}">
         <p14:creationId xmlns:p14="http://schemas.microsoft.com/office/powerpoint/2010/main" val="4285136791"/>
+      </p:ext>
+    </p:extLst>
+  </p:cSld>
+  <p:clrMapOvr>
+    <a:masterClrMapping/>
+  </p:clrMapOvr>
+</p:sld>
+</file>
+
+<file path=ppt/slides/slide40.xml><?xml version="1.0" encoding="utf-8"?>
+<p:sld xmlns:a="http://schemas.openxmlformats.org/drawingml/2006/main" xmlns:r="http://schemas.openxmlformats.org/officeDocument/2006/relationships" xmlns:p="http://schemas.openxmlformats.org/presentationml/2006/main">
+  <p:cSld>
+    <p:spTree>
+      <p:nvGrpSpPr>
+        <p:cNvPr id="1" name="">
+          <a:extLst>
+            <a:ext uri="{FF2B5EF4-FFF2-40B4-BE49-F238E27FC236}">
+              <a16:creationId xmlns:a16="http://schemas.microsoft.com/office/drawing/2014/main" id="{54CC4359-0F44-42C3-DFEA-EBEDBEC5B1EA}"/>
+            </a:ext>
+          </a:extLst>
+        </p:cNvPr>
+        <p:cNvGrpSpPr/>
+        <p:nvPr/>
+      </p:nvGrpSpPr>
+      <p:grpSpPr>
+        <a:xfrm>
+          <a:off x="0" y="0"/>
+          <a:ext cx="0" cy="0"/>
+          <a:chOff x="0" y="0"/>
+          <a:chExt cx="0" cy="0"/>
+        </a:xfrm>
+      </p:grpSpPr>
+      <p:sp>
+        <p:nvSpPr>
+          <p:cNvPr id="5" name="Title 4">
+            <a:extLst>
+              <a:ext uri="{FF2B5EF4-FFF2-40B4-BE49-F238E27FC236}">
+                <a16:creationId xmlns:a16="http://schemas.microsoft.com/office/drawing/2014/main" id="{64A9A8C2-B2A9-6E88-F5A1-CE8063CB5398}"/>
+              </a:ext>
+            </a:extLst>
+          </p:cNvPr>
+          <p:cNvSpPr>
+            <a:spLocks noGrp="1"/>
+          </p:cNvSpPr>
+          <p:nvPr>
+            <p:ph type="title"/>
+          </p:nvPr>
+        </p:nvSpPr>
+        <p:spPr/>
+        <p:txBody>
+          <a:bodyPr/>
+          <a:lstStyle/>
+          <a:p>
+            <a:r>
+              <a:rPr lang="ru-RU" dirty="0"/>
+              <a:t>Добавляем еще один барьер</a:t>
+            </a:r>
+            <a:endParaRPr lang="en-US" dirty="0"/>
+          </a:p>
+        </p:txBody>
+      </p:sp>
+      <p:sp>
+        <p:nvSpPr>
+          <p:cNvPr id="7" name="Content Placeholder 6">
+            <a:extLst>
+              <a:ext uri="{FF2B5EF4-FFF2-40B4-BE49-F238E27FC236}">
+                <a16:creationId xmlns:a16="http://schemas.microsoft.com/office/drawing/2014/main" id="{E116BE71-5531-9908-A533-A3A91F31AFE5}"/>
+              </a:ext>
+            </a:extLst>
+          </p:cNvPr>
+          <p:cNvSpPr>
+            <a:spLocks noGrp="1"/>
+          </p:cNvSpPr>
+          <p:nvPr>
+            <p:ph idx="1"/>
+          </p:nvPr>
+        </p:nvSpPr>
+        <p:spPr>
+          <a:xfrm>
+            <a:off x="838200" y="1825625"/>
+            <a:ext cx="5186363" cy="4351338"/>
+          </a:xfrm>
+        </p:spPr>
+        <p:txBody>
+          <a:bodyPr>
+            <a:normAutofit/>
+          </a:bodyPr>
+          <a:lstStyle/>
+          <a:p>
+            <a:r>
+              <a:rPr lang="en-US" dirty="0" err="1"/>
+              <a:t>smp_mb</a:t>
+            </a:r>
+            <a:r>
+              <a:rPr lang="en-US" dirty="0"/>
+              <a:t>() </a:t>
+            </a:r>
+            <a:r>
+              <a:rPr lang="ru-RU" dirty="0"/>
+              <a:t>перед </a:t>
+            </a:r>
+            <a:r>
+              <a:rPr lang="en-US" dirty="0"/>
+              <a:t>assert</a:t>
+            </a:r>
+            <a:r>
+              <a:rPr lang="ru-RU" dirty="0"/>
+              <a:t> ожидает завершения операций из</a:t>
+            </a:r>
+            <a:r>
+              <a:rPr lang="en-US" dirty="0"/>
+              <a:t> </a:t>
+            </a:r>
+            <a:r>
+              <a:rPr lang="ru-RU" dirty="0"/>
+              <a:t>очереди </a:t>
+            </a:r>
+            <a:r>
+              <a:rPr lang="ru-RU" dirty="0" err="1"/>
+              <a:t>инвалидирования</a:t>
+            </a:r>
+            <a:endParaRPr lang="en-US" dirty="0"/>
+          </a:p>
+        </p:txBody>
+      </p:sp>
+      <p:sp>
+        <p:nvSpPr>
+          <p:cNvPr id="10" name="TextBox 9">
+            <a:extLst>
+              <a:ext uri="{FF2B5EF4-FFF2-40B4-BE49-F238E27FC236}">
+                <a16:creationId xmlns:a16="http://schemas.microsoft.com/office/drawing/2014/main" id="{05090C3A-D203-DE76-3BAF-9CD3FA8AC765}"/>
+              </a:ext>
+            </a:extLst>
+          </p:cNvPr>
+          <p:cNvSpPr txBox="1"/>
+          <p:nvPr/>
+        </p:nvSpPr>
+        <p:spPr>
+          <a:xfrm>
+            <a:off x="6553200" y="2063740"/>
+            <a:ext cx="5638800" cy="3693319"/>
+          </a:xfrm>
+          <a:prstGeom prst="rect">
+            <a:avLst/>
+          </a:prstGeom>
+          <a:noFill/>
+        </p:spPr>
+        <p:txBody>
+          <a:bodyPr wrap="square">
+            <a:spAutoFit/>
+          </a:bodyPr>
+          <a:lstStyle/>
+          <a:p>
+            <a:r>
+              <a:rPr lang="en-US" dirty="0">
+                <a:latin typeface="Consolas" panose="020B0609020204030204" pitchFamily="49" charset="0"/>
+              </a:rPr>
+              <a:t>void foo()</a:t>
+            </a:r>
+          </a:p>
+          <a:p>
+            <a:r>
+              <a:rPr lang="en-US" dirty="0">
+                <a:latin typeface="Consolas" panose="020B0609020204030204" pitchFamily="49" charset="0"/>
+              </a:rPr>
+              <a:t>{</a:t>
+            </a:r>
+          </a:p>
+          <a:p>
+            <a:r>
+              <a:rPr lang="en-US" dirty="0">
+                <a:latin typeface="Consolas" panose="020B0609020204030204" pitchFamily="49" charset="0"/>
+              </a:rPr>
+              <a:t>	a = 1;</a:t>
+            </a:r>
+          </a:p>
+          <a:p>
+            <a:r>
+              <a:rPr lang="en-US" dirty="0">
+                <a:latin typeface="Consolas" panose="020B0609020204030204" pitchFamily="49" charset="0"/>
+              </a:rPr>
+              <a:t>	</a:t>
+            </a:r>
+            <a:r>
+              <a:rPr lang="en-US" b="1" dirty="0" err="1">
+                <a:latin typeface="Consolas" panose="020B0609020204030204" pitchFamily="49" charset="0"/>
+              </a:rPr>
+              <a:t>smp_mb</a:t>
+            </a:r>
+            <a:r>
+              <a:rPr lang="en-US" b="1" dirty="0">
+                <a:latin typeface="Consolas" panose="020B0609020204030204" pitchFamily="49" charset="0"/>
+              </a:rPr>
+              <a:t>();</a:t>
+            </a:r>
+          </a:p>
+          <a:p>
+            <a:r>
+              <a:rPr lang="en-US" dirty="0">
+                <a:latin typeface="Consolas" panose="020B0609020204030204" pitchFamily="49" charset="0"/>
+              </a:rPr>
+              <a:t>	b =</a:t>
+            </a:r>
+            <a:r>
+              <a:rPr lang="ru-RU" dirty="0">
+                <a:latin typeface="Consolas" panose="020B0609020204030204" pitchFamily="49" charset="0"/>
+              </a:rPr>
+              <a:t> </a:t>
+            </a:r>
+            <a:r>
+              <a:rPr lang="en-US" dirty="0">
+                <a:latin typeface="Consolas" panose="020B0609020204030204" pitchFamily="49" charset="0"/>
+              </a:rPr>
+              <a:t>1;</a:t>
+            </a:r>
+          </a:p>
+          <a:p>
+            <a:r>
+              <a:rPr lang="en-US" dirty="0">
+                <a:latin typeface="Consolas" panose="020B0609020204030204" pitchFamily="49" charset="0"/>
+              </a:rPr>
+              <a:t>}</a:t>
+            </a:r>
+          </a:p>
+          <a:p>
+            <a:endParaRPr lang="ru-RU" dirty="0">
+              <a:latin typeface="Consolas" panose="020B0609020204030204" pitchFamily="49" charset="0"/>
+            </a:endParaRPr>
+          </a:p>
+          <a:p>
+            <a:r>
+              <a:rPr lang="en-US" dirty="0">
+                <a:latin typeface="Consolas" panose="020B0609020204030204" pitchFamily="49" charset="0"/>
+              </a:rPr>
+              <a:t>void bar()</a:t>
+            </a:r>
+          </a:p>
+          <a:p>
+            <a:r>
+              <a:rPr lang="en-US" dirty="0">
+                <a:latin typeface="Consolas" panose="020B0609020204030204" pitchFamily="49" charset="0"/>
+              </a:rPr>
+              <a:t>{</a:t>
+            </a:r>
+          </a:p>
+          <a:p>
+            <a:r>
+              <a:rPr lang="en-US" dirty="0">
+                <a:latin typeface="Consolas" panose="020B0609020204030204" pitchFamily="49" charset="0"/>
+              </a:rPr>
+              <a:t>	while ( b == 0 ) continue;</a:t>
+            </a:r>
+            <a:endParaRPr lang="ru-RU" dirty="0">
+              <a:latin typeface="Consolas" panose="020B0609020204030204" pitchFamily="49" charset="0"/>
+            </a:endParaRPr>
+          </a:p>
+          <a:p>
+            <a:r>
+              <a:rPr lang="en-US" dirty="0">
+                <a:latin typeface="Consolas" panose="020B0609020204030204" pitchFamily="49" charset="0"/>
+              </a:rPr>
+              <a:t>	</a:t>
+            </a:r>
+            <a:r>
+              <a:rPr lang="en-US" b="1" dirty="0" err="1">
+                <a:latin typeface="Consolas" panose="020B0609020204030204" pitchFamily="49" charset="0"/>
+              </a:rPr>
+              <a:t>smp_mb</a:t>
+            </a:r>
+            <a:r>
+              <a:rPr lang="en-US" b="1" dirty="0">
+                <a:latin typeface="Consolas" panose="020B0609020204030204" pitchFamily="49" charset="0"/>
+              </a:rPr>
+              <a:t>();</a:t>
+            </a:r>
+            <a:endParaRPr lang="en-US" dirty="0">
+              <a:latin typeface="Consolas" panose="020B0609020204030204" pitchFamily="49" charset="0"/>
+            </a:endParaRPr>
+          </a:p>
+          <a:p>
+            <a:r>
+              <a:rPr lang="en-US" dirty="0">
+                <a:latin typeface="Consolas" panose="020B0609020204030204" pitchFamily="49" charset="0"/>
+              </a:rPr>
+              <a:t>	assert( a == 1 );</a:t>
+            </a:r>
+          </a:p>
+          <a:p>
+            <a:r>
+              <a:rPr lang="en-US" dirty="0">
+                <a:latin typeface="Consolas" panose="020B0609020204030204" pitchFamily="49" charset="0"/>
+              </a:rPr>
+              <a:t>}</a:t>
+            </a:r>
+          </a:p>
+        </p:txBody>
+      </p:sp>
+    </p:spTree>
+    <p:extLst>
+      <p:ext uri="{BB962C8B-B14F-4D97-AF65-F5344CB8AC3E}">
+        <p14:creationId xmlns:p14="http://schemas.microsoft.com/office/powerpoint/2010/main" val="4065550926"/>
+      </p:ext>
+    </p:extLst>
+  </p:cSld>
+  <p:clrMapOvr>
+    <a:masterClrMapping/>
+  </p:clrMapOvr>
+</p:sld>
+</file>
+
+<file path=ppt/slides/slide41.xml><?xml version="1.0" encoding="utf-8"?>
+<p:sld xmlns:a="http://schemas.openxmlformats.org/drawingml/2006/main" xmlns:r="http://schemas.openxmlformats.org/officeDocument/2006/relationships" xmlns:p="http://schemas.openxmlformats.org/presentationml/2006/main">
+  <p:cSld>
+    <p:spTree>
+      <p:nvGrpSpPr>
+        <p:cNvPr id="1" name=""/>
+        <p:cNvGrpSpPr/>
+        <p:nvPr/>
+      </p:nvGrpSpPr>
+      <p:grpSpPr>
+        <a:xfrm>
+          <a:off x="0" y="0"/>
+          <a:ext cx="0" cy="0"/>
+          <a:chOff x="0" y="0"/>
+          <a:chExt cx="0" cy="0"/>
+        </a:xfrm>
+      </p:grpSpPr>
+      <p:sp>
+        <p:nvSpPr>
+          <p:cNvPr id="2" name="Title 1">
+            <a:extLst>
+              <a:ext uri="{FF2B5EF4-FFF2-40B4-BE49-F238E27FC236}">
+                <a16:creationId xmlns:a16="http://schemas.microsoft.com/office/drawing/2014/main" id="{7E2F2C6E-293C-9855-8356-B0D1B688B814}"/>
+              </a:ext>
+            </a:extLst>
+          </p:cNvPr>
+          <p:cNvSpPr>
+            <a:spLocks noGrp="1"/>
+          </p:cNvSpPr>
+          <p:nvPr>
+            <p:ph type="title"/>
+          </p:nvPr>
+        </p:nvSpPr>
+        <p:spPr/>
+        <p:txBody>
+          <a:bodyPr/>
+          <a:lstStyle/>
+          <a:p>
+            <a:r>
+              <a:rPr lang="ru-RU" dirty="0"/>
+              <a:t>Барьеры чтения и барьеры записи</a:t>
+            </a:r>
+            <a:endParaRPr lang="en-US" dirty="0"/>
+          </a:p>
+        </p:txBody>
+      </p:sp>
+      <p:sp>
+        <p:nvSpPr>
+          <p:cNvPr id="3" name="Content Placeholder 2">
+            <a:extLst>
+              <a:ext uri="{FF2B5EF4-FFF2-40B4-BE49-F238E27FC236}">
+                <a16:creationId xmlns:a16="http://schemas.microsoft.com/office/drawing/2014/main" id="{05F029FD-2B69-F9DE-24D5-2428B0D1506A}"/>
+              </a:ext>
+            </a:extLst>
+          </p:cNvPr>
+          <p:cNvSpPr>
+            <a:spLocks noGrp="1"/>
+          </p:cNvSpPr>
+          <p:nvPr>
+            <p:ph idx="1"/>
+          </p:nvPr>
+        </p:nvSpPr>
+        <p:spPr/>
+        <p:txBody>
+          <a:bodyPr/>
+          <a:lstStyle/>
+          <a:p>
+            <a:r>
+              <a:rPr lang="ru-RU" dirty="0"/>
+              <a:t>Полный барьер, ожидающий завершения всех операций чтения и записи, часто бывает избыточным</a:t>
+            </a:r>
+          </a:p>
+          <a:p>
+            <a:r>
+              <a:rPr lang="ru-RU" dirty="0"/>
+              <a:t>Во многих архитектурах есть инструкции более легковесных барьеров памяти</a:t>
+            </a:r>
+          </a:p>
+          <a:p>
+            <a:r>
+              <a:rPr lang="en-US" dirty="0"/>
+              <a:t>Read Memory Barrier </a:t>
+            </a:r>
+            <a:r>
+              <a:rPr lang="ru-RU" dirty="0"/>
+              <a:t>упорядочивает операции чтения в </a:t>
+            </a:r>
+            <a:r>
+              <a:rPr lang="en-US" dirty="0"/>
+              <a:t>Invalidate queue</a:t>
+            </a:r>
+          </a:p>
+          <a:p>
+            <a:r>
+              <a:rPr lang="en-US" dirty="0"/>
+              <a:t>Write Memory Barrier </a:t>
+            </a:r>
+            <a:r>
+              <a:rPr lang="ru-RU" dirty="0"/>
+              <a:t>упорядочивает запись в </a:t>
+            </a:r>
+            <a:r>
+              <a:rPr lang="en-US" dirty="0"/>
+              <a:t>Store Buffer</a:t>
+            </a:r>
+          </a:p>
+        </p:txBody>
+      </p:sp>
+    </p:spTree>
+    <p:extLst>
+      <p:ext uri="{BB962C8B-B14F-4D97-AF65-F5344CB8AC3E}">
+        <p14:creationId xmlns:p14="http://schemas.microsoft.com/office/powerpoint/2010/main" val="1516960659"/>
+      </p:ext>
+    </p:extLst>
+  </p:cSld>
+  <p:clrMapOvr>
+    <a:masterClrMapping/>
+  </p:clrMapOvr>
+</p:sld>
+</file>
+
+<file path=ppt/slides/slide42.xml><?xml version="1.0" encoding="utf-8"?>
+<p:sld xmlns:a="http://schemas.openxmlformats.org/drawingml/2006/main" xmlns:r="http://schemas.openxmlformats.org/officeDocument/2006/relationships" xmlns:p="http://schemas.openxmlformats.org/presentationml/2006/main">
+  <p:cSld>
+    <p:spTree>
+      <p:nvGrpSpPr>
+        <p:cNvPr id="1" name=""/>
+        <p:cNvGrpSpPr/>
+        <p:nvPr/>
+      </p:nvGrpSpPr>
+      <p:grpSpPr>
+        <a:xfrm>
+          <a:off x="0" y="0"/>
+          <a:ext cx="0" cy="0"/>
+          <a:chOff x="0" y="0"/>
+          <a:chExt cx="0" cy="0"/>
+        </a:xfrm>
+      </p:grpSpPr>
+      <p:sp>
+        <p:nvSpPr>
+          <p:cNvPr id="2" name="Title 1">
+            <a:extLst>
+              <a:ext uri="{FF2B5EF4-FFF2-40B4-BE49-F238E27FC236}">
+                <a16:creationId xmlns:a16="http://schemas.microsoft.com/office/drawing/2014/main" id="{86D2C69C-1B98-06EA-0076-E2C45372C748}"/>
+              </a:ext>
+            </a:extLst>
+          </p:cNvPr>
+          <p:cNvSpPr>
+            <a:spLocks noGrp="1"/>
+          </p:cNvSpPr>
+          <p:nvPr>
+            <p:ph type="title"/>
+          </p:nvPr>
+        </p:nvSpPr>
+        <p:spPr/>
+        <p:txBody>
+          <a:bodyPr/>
+          <a:lstStyle/>
+          <a:p>
+            <a:r>
+              <a:rPr lang="ru-RU" dirty="0"/>
+              <a:t>Барьеры чтения и барьеры записи</a:t>
+            </a:r>
+            <a:endParaRPr lang="en-US" dirty="0"/>
+          </a:p>
+        </p:txBody>
+      </p:sp>
+      <p:sp>
+        <p:nvSpPr>
+          <p:cNvPr id="3" name="Content Placeholder 2">
+            <a:extLst>
+              <a:ext uri="{FF2B5EF4-FFF2-40B4-BE49-F238E27FC236}">
+                <a16:creationId xmlns:a16="http://schemas.microsoft.com/office/drawing/2014/main" id="{C5FD9577-6AEF-9D69-FFC2-B7819C6433B6}"/>
+              </a:ext>
+            </a:extLst>
+          </p:cNvPr>
+          <p:cNvSpPr>
+            <a:spLocks noGrp="1"/>
+          </p:cNvSpPr>
+          <p:nvPr>
+            <p:ph idx="1"/>
+          </p:nvPr>
+        </p:nvSpPr>
+        <p:spPr>
+          <a:xfrm>
+            <a:off x="838200" y="1825625"/>
+            <a:ext cx="5186363" cy="4351338"/>
+          </a:xfrm>
+        </p:spPr>
+        <p:txBody>
+          <a:bodyPr>
+            <a:normAutofit fontScale="92500"/>
+          </a:bodyPr>
+          <a:lstStyle/>
+          <a:p>
+            <a:r>
+              <a:rPr lang="ru-RU" dirty="0"/>
+              <a:t>Барьер чтения упорядочивает только чтения для процессора, выполняющего барьер</a:t>
+            </a:r>
+          </a:p>
+          <a:p>
+            <a:pPr lvl="1"/>
+            <a:r>
+              <a:rPr lang="ru-RU" dirty="0"/>
+              <a:t>Все операции чтения перед барьером завершаются,  а затем начинают выполняться чтения после барьера</a:t>
+            </a:r>
+          </a:p>
+          <a:p>
+            <a:r>
+              <a:rPr lang="ru-RU" dirty="0"/>
+              <a:t>Барьер записи упорядочивает запись для своего процессора</a:t>
+            </a:r>
+          </a:p>
+          <a:p>
+            <a:pPr lvl="1"/>
+            <a:r>
+              <a:rPr lang="ru-RU" dirty="0"/>
+              <a:t>Все записи после барьера выполняются после завершения записей после барьера</a:t>
+            </a:r>
+            <a:endParaRPr lang="en-US" dirty="0"/>
+          </a:p>
+        </p:txBody>
+      </p:sp>
+      <p:sp>
+        <p:nvSpPr>
+          <p:cNvPr id="5" name="TextBox 4">
+            <a:extLst>
+              <a:ext uri="{FF2B5EF4-FFF2-40B4-BE49-F238E27FC236}">
+                <a16:creationId xmlns:a16="http://schemas.microsoft.com/office/drawing/2014/main" id="{3575D8E3-719A-09E5-B925-4012F39D7FD6}"/>
+              </a:ext>
+            </a:extLst>
+          </p:cNvPr>
+          <p:cNvSpPr txBox="1"/>
+          <p:nvPr/>
+        </p:nvSpPr>
+        <p:spPr>
+          <a:xfrm>
+            <a:off x="6553200" y="2063740"/>
+            <a:ext cx="5638800" cy="3693319"/>
+          </a:xfrm>
+          <a:prstGeom prst="rect">
+            <a:avLst/>
+          </a:prstGeom>
+          <a:noFill/>
+        </p:spPr>
+        <p:txBody>
+          <a:bodyPr wrap="square">
+            <a:spAutoFit/>
+          </a:bodyPr>
+          <a:lstStyle/>
+          <a:p>
+            <a:r>
+              <a:rPr lang="en-US" dirty="0">
+                <a:latin typeface="Consolas" panose="020B0609020204030204" pitchFamily="49" charset="0"/>
+              </a:rPr>
+              <a:t>void foo()</a:t>
+            </a:r>
+          </a:p>
+          <a:p>
+            <a:r>
+              <a:rPr lang="en-US" dirty="0">
+                <a:latin typeface="Consolas" panose="020B0609020204030204" pitchFamily="49" charset="0"/>
+              </a:rPr>
+              <a:t>{</a:t>
+            </a:r>
+          </a:p>
+          <a:p>
+            <a:r>
+              <a:rPr lang="en-US" dirty="0">
+                <a:latin typeface="Consolas" panose="020B0609020204030204" pitchFamily="49" charset="0"/>
+              </a:rPr>
+              <a:t>	a = 1;</a:t>
+            </a:r>
+          </a:p>
+          <a:p>
+            <a:r>
+              <a:rPr lang="en-US" dirty="0">
+                <a:latin typeface="Consolas" panose="020B0609020204030204" pitchFamily="49" charset="0"/>
+              </a:rPr>
+              <a:t>	</a:t>
+            </a:r>
+            <a:r>
+              <a:rPr lang="en-US" b="1" dirty="0" err="1">
+                <a:latin typeface="Consolas" panose="020B0609020204030204" pitchFamily="49" charset="0"/>
+              </a:rPr>
+              <a:t>smp_wmb</a:t>
+            </a:r>
+            <a:r>
+              <a:rPr lang="en-US" b="1" dirty="0">
+                <a:latin typeface="Consolas" panose="020B0609020204030204" pitchFamily="49" charset="0"/>
+              </a:rPr>
+              <a:t>(); </a:t>
+            </a:r>
+            <a:r>
+              <a:rPr lang="en-US" dirty="0">
+                <a:latin typeface="Consolas" panose="020B0609020204030204" pitchFamily="49" charset="0"/>
+              </a:rPr>
+              <a:t>// </a:t>
+            </a:r>
+            <a:r>
+              <a:rPr lang="ru-RU" dirty="0">
+                <a:latin typeface="Consolas" panose="020B0609020204030204" pitchFamily="49" charset="0"/>
+              </a:rPr>
+              <a:t>Барьер записи</a:t>
+            </a:r>
+            <a:endParaRPr lang="en-US" dirty="0">
+              <a:latin typeface="Consolas" panose="020B0609020204030204" pitchFamily="49" charset="0"/>
+            </a:endParaRPr>
+          </a:p>
+          <a:p>
+            <a:r>
+              <a:rPr lang="en-US" dirty="0">
+                <a:latin typeface="Consolas" panose="020B0609020204030204" pitchFamily="49" charset="0"/>
+              </a:rPr>
+              <a:t>	b =</a:t>
+            </a:r>
+            <a:r>
+              <a:rPr lang="ru-RU" dirty="0">
+                <a:latin typeface="Consolas" panose="020B0609020204030204" pitchFamily="49" charset="0"/>
+              </a:rPr>
+              <a:t> </a:t>
+            </a:r>
+            <a:r>
+              <a:rPr lang="en-US" dirty="0">
+                <a:latin typeface="Consolas" panose="020B0609020204030204" pitchFamily="49" charset="0"/>
+              </a:rPr>
+              <a:t>1;</a:t>
+            </a:r>
+          </a:p>
+          <a:p>
+            <a:r>
+              <a:rPr lang="en-US" dirty="0">
+                <a:latin typeface="Consolas" panose="020B0609020204030204" pitchFamily="49" charset="0"/>
+              </a:rPr>
+              <a:t>}</a:t>
+            </a:r>
+          </a:p>
+          <a:p>
+            <a:endParaRPr lang="ru-RU" dirty="0">
+              <a:latin typeface="Consolas" panose="020B0609020204030204" pitchFamily="49" charset="0"/>
+            </a:endParaRPr>
+          </a:p>
+          <a:p>
+            <a:r>
+              <a:rPr lang="en-US" dirty="0">
+                <a:latin typeface="Consolas" panose="020B0609020204030204" pitchFamily="49" charset="0"/>
+              </a:rPr>
+              <a:t>void bar()</a:t>
+            </a:r>
+          </a:p>
+          <a:p>
+            <a:r>
+              <a:rPr lang="en-US" dirty="0">
+                <a:latin typeface="Consolas" panose="020B0609020204030204" pitchFamily="49" charset="0"/>
+              </a:rPr>
+              <a:t>{</a:t>
+            </a:r>
+          </a:p>
+          <a:p>
+            <a:r>
+              <a:rPr lang="en-US" dirty="0">
+                <a:latin typeface="Consolas" panose="020B0609020204030204" pitchFamily="49" charset="0"/>
+              </a:rPr>
+              <a:t>	while ( b == 0 ) continue;</a:t>
+            </a:r>
+            <a:endParaRPr lang="ru-RU" dirty="0">
+              <a:latin typeface="Consolas" panose="020B0609020204030204" pitchFamily="49" charset="0"/>
+            </a:endParaRPr>
+          </a:p>
+          <a:p>
+            <a:r>
+              <a:rPr lang="en-US" dirty="0">
+                <a:latin typeface="Consolas" panose="020B0609020204030204" pitchFamily="49" charset="0"/>
+              </a:rPr>
+              <a:t>	</a:t>
+            </a:r>
+            <a:r>
+              <a:rPr lang="en-US" b="1" dirty="0" err="1">
+                <a:latin typeface="Consolas" panose="020B0609020204030204" pitchFamily="49" charset="0"/>
+              </a:rPr>
+              <a:t>smp_rmb</a:t>
+            </a:r>
+            <a:r>
+              <a:rPr lang="en-US" b="1" dirty="0">
+                <a:latin typeface="Consolas" panose="020B0609020204030204" pitchFamily="49" charset="0"/>
+              </a:rPr>
+              <a:t>(); </a:t>
+            </a:r>
+            <a:r>
+              <a:rPr lang="en-US" dirty="0">
+                <a:latin typeface="Consolas" panose="020B0609020204030204" pitchFamily="49" charset="0"/>
+              </a:rPr>
+              <a:t>// </a:t>
+            </a:r>
+            <a:r>
+              <a:rPr lang="ru-RU" dirty="0">
+                <a:latin typeface="Consolas" panose="020B0609020204030204" pitchFamily="49" charset="0"/>
+              </a:rPr>
+              <a:t>Барьер чтения</a:t>
+            </a:r>
+            <a:endParaRPr lang="en-US" dirty="0">
+              <a:latin typeface="Consolas" panose="020B0609020204030204" pitchFamily="49" charset="0"/>
+            </a:endParaRPr>
+          </a:p>
+          <a:p>
+            <a:r>
+              <a:rPr lang="en-US" dirty="0">
+                <a:latin typeface="Consolas" panose="020B0609020204030204" pitchFamily="49" charset="0"/>
+              </a:rPr>
+              <a:t>	assert( a == 1 );</a:t>
+            </a:r>
+          </a:p>
+          <a:p>
+            <a:r>
+              <a:rPr lang="en-US" dirty="0">
+                <a:latin typeface="Consolas" panose="020B0609020204030204" pitchFamily="49" charset="0"/>
+              </a:rPr>
+              <a:t>}</a:t>
+            </a:r>
+          </a:p>
+        </p:txBody>
+      </p:sp>
+    </p:spTree>
+    <p:extLst>
+      <p:ext uri="{BB962C8B-B14F-4D97-AF65-F5344CB8AC3E}">
+        <p14:creationId xmlns:p14="http://schemas.microsoft.com/office/powerpoint/2010/main" val="3291824847"/>
+      </p:ext>
+    </p:extLst>
+  </p:cSld>
+  <p:clrMapOvr>
+    <a:masterClrMapping/>
+  </p:clrMapOvr>
+</p:sld>
+</file>
+
+<file path=ppt/slides/slide43.xml><?xml version="1.0" encoding="utf-8"?>
+<p:sld xmlns:a="http://schemas.openxmlformats.org/drawingml/2006/main" xmlns:r="http://schemas.openxmlformats.org/officeDocument/2006/relationships" xmlns:p="http://schemas.openxmlformats.org/presentationml/2006/main">
+  <p:cSld>
+    <p:spTree>
+      <p:nvGrpSpPr>
+        <p:cNvPr id="1" name=""/>
+        <p:cNvGrpSpPr/>
+        <p:nvPr/>
+      </p:nvGrpSpPr>
+      <p:grpSpPr>
+        <a:xfrm>
+          <a:off x="0" y="0"/>
+          <a:ext cx="0" cy="0"/>
+          <a:chOff x="0" y="0"/>
+          <a:chExt cx="0" cy="0"/>
+        </a:xfrm>
+      </p:grpSpPr>
+      <p:sp>
+        <p:nvSpPr>
+          <p:cNvPr id="2" name="Title 1">
+            <a:extLst>
+              <a:ext uri="{FF2B5EF4-FFF2-40B4-BE49-F238E27FC236}">
+                <a16:creationId xmlns:a16="http://schemas.microsoft.com/office/drawing/2014/main" id="{797407C9-6674-836B-CA7F-1DD1B1AF9884}"/>
+              </a:ext>
+            </a:extLst>
+          </p:cNvPr>
+          <p:cNvSpPr>
+            <a:spLocks noGrp="1"/>
+          </p:cNvSpPr>
+          <p:nvPr>
+            <p:ph type="title"/>
+          </p:nvPr>
+        </p:nvSpPr>
+        <p:spPr/>
+        <p:txBody>
+          <a:bodyPr/>
+          <a:lstStyle/>
+          <a:p>
+            <a:r>
+              <a:rPr lang="ru-RU" dirty="0"/>
+              <a:t>Барьеры памяти</a:t>
+            </a:r>
+            <a:endParaRPr lang="en-US" dirty="0"/>
+          </a:p>
+        </p:txBody>
+      </p:sp>
+      <p:sp>
+        <p:nvSpPr>
+          <p:cNvPr id="3" name="Content Placeholder 2">
+            <a:extLst>
+              <a:ext uri="{FF2B5EF4-FFF2-40B4-BE49-F238E27FC236}">
+                <a16:creationId xmlns:a16="http://schemas.microsoft.com/office/drawing/2014/main" id="{1D84E251-F738-EFF9-8DD7-6D7A9D9A0403}"/>
+              </a:ext>
+            </a:extLst>
+          </p:cNvPr>
+          <p:cNvSpPr>
+            <a:spLocks noGrp="1"/>
+          </p:cNvSpPr>
+          <p:nvPr>
+            <p:ph idx="1"/>
+          </p:nvPr>
+        </p:nvSpPr>
+        <p:spPr/>
+        <p:txBody>
+          <a:bodyPr>
+            <a:normAutofit fontScale="92500" lnSpcReduction="20000"/>
+          </a:bodyPr>
+          <a:lstStyle/>
+          <a:p>
+            <a:r>
+              <a:rPr lang="ru-RU" dirty="0"/>
+              <a:t>Процессор с памятью может взаимодействовать при помощи операций чтения (</a:t>
+            </a:r>
+            <a:r>
+              <a:rPr lang="en-US" dirty="0"/>
+              <a:t>load)</a:t>
+            </a:r>
+            <a:r>
+              <a:rPr lang="ru-RU" dirty="0"/>
+              <a:t> и записи (</a:t>
+            </a:r>
+            <a:r>
+              <a:rPr lang="en-US" dirty="0"/>
+              <a:t>store)</a:t>
+            </a:r>
+          </a:p>
+          <a:p>
+            <a:r>
+              <a:rPr lang="ru-RU" dirty="0"/>
+              <a:t>Барьер позволяет упорядочить операции записи и чтения</a:t>
+            </a:r>
+          </a:p>
+          <a:p>
+            <a:pPr lvl="1"/>
+            <a:r>
+              <a:rPr lang="en-US" dirty="0"/>
+              <a:t>Operation1;</a:t>
+            </a:r>
+            <a:br>
+              <a:rPr lang="en-US" dirty="0"/>
+            </a:br>
+            <a:r>
+              <a:rPr lang="en-US" dirty="0"/>
+              <a:t>Barrier;</a:t>
+            </a:r>
+            <a:br>
+              <a:rPr lang="en-US" dirty="0"/>
+            </a:br>
+            <a:r>
+              <a:rPr lang="en-US" dirty="0"/>
+              <a:t>Operation2;</a:t>
+            </a:r>
+            <a:endParaRPr lang="ru-RU" dirty="0"/>
+          </a:p>
+          <a:p>
+            <a:r>
+              <a:rPr lang="ru-RU" dirty="0"/>
+              <a:t>Можно описать 4 типа барьеров:</a:t>
+            </a:r>
+          </a:p>
+          <a:p>
+            <a:pPr lvl="1"/>
+            <a:r>
+              <a:rPr lang="en-US" b="1" dirty="0"/>
+              <a:t>Load/Load</a:t>
+            </a:r>
+            <a:r>
+              <a:rPr lang="en-US" dirty="0"/>
+              <a:t>.</a:t>
+            </a:r>
+            <a:r>
+              <a:rPr lang="ru-RU" dirty="0"/>
+              <a:t> Упорядочивает операции загрузки до и после барьера</a:t>
+            </a:r>
+          </a:p>
+          <a:p>
+            <a:pPr lvl="1"/>
+            <a:r>
+              <a:rPr lang="en-US" b="1" dirty="0"/>
+              <a:t>Store/Store</a:t>
+            </a:r>
+            <a:r>
+              <a:rPr lang="en-US" dirty="0"/>
+              <a:t>. </a:t>
+            </a:r>
+            <a:r>
+              <a:rPr lang="ru-RU" dirty="0"/>
+              <a:t>Упорядочивает операции</a:t>
+            </a:r>
+            <a:r>
+              <a:rPr lang="en-US" dirty="0"/>
+              <a:t> </a:t>
+            </a:r>
+            <a:r>
+              <a:rPr lang="ru-RU" dirty="0"/>
+              <a:t>записи до и после барьера</a:t>
+            </a:r>
+          </a:p>
+          <a:p>
+            <a:pPr lvl="1"/>
+            <a:r>
+              <a:rPr lang="en-US" b="1" dirty="0"/>
+              <a:t>Load/Store</a:t>
+            </a:r>
+            <a:r>
+              <a:rPr lang="en-US" dirty="0"/>
+              <a:t>.</a:t>
+            </a:r>
+            <a:r>
+              <a:rPr lang="ru-RU" dirty="0"/>
+              <a:t> Операции чтения выполняются после операций записи. Препятствует спекулятивной записи</a:t>
+            </a:r>
+          </a:p>
+          <a:p>
+            <a:pPr lvl="1"/>
+            <a:r>
+              <a:rPr lang="en-US" b="1" dirty="0"/>
+              <a:t>Store/Load</a:t>
+            </a:r>
+            <a:r>
+              <a:rPr lang="en-US" dirty="0"/>
+              <a:t>. </a:t>
+            </a:r>
+            <a:r>
+              <a:rPr lang="ru-RU" dirty="0"/>
+              <a:t>Упорядочивает операции записи с последующими операциями загрузки. Самый тяжёлый из перечисленных барьеров</a:t>
+            </a:r>
+          </a:p>
+        </p:txBody>
+      </p:sp>
+    </p:spTree>
+    <p:extLst>
+      <p:ext uri="{BB962C8B-B14F-4D97-AF65-F5344CB8AC3E}">
+        <p14:creationId xmlns:p14="http://schemas.microsoft.com/office/powerpoint/2010/main" val="290785303"/>
+      </p:ext>
+    </p:extLst>
+  </p:cSld>
+  <p:clrMapOvr>
+    <a:masterClrMapping/>
+  </p:clrMapOvr>
+</p:sld>
+</file>
+
+<file path=ppt/slides/slide44.xml><?xml version="1.0" encoding="utf-8"?>
+<p:sld xmlns:a="http://schemas.openxmlformats.org/drawingml/2006/main" xmlns:r="http://schemas.openxmlformats.org/officeDocument/2006/relationships" xmlns:p="http://schemas.openxmlformats.org/presentationml/2006/main">
+  <p:cSld>
+    <p:spTree>
+      <p:nvGrpSpPr>
+        <p:cNvPr id="1" name=""/>
+        <p:cNvGrpSpPr/>
+        <p:nvPr/>
+      </p:nvGrpSpPr>
+      <p:grpSpPr>
+        <a:xfrm>
+          <a:off x="0" y="0"/>
+          <a:ext cx="0" cy="0"/>
+          <a:chOff x="0" y="0"/>
+          <a:chExt cx="0" cy="0"/>
+        </a:xfrm>
+      </p:grpSpPr>
+      <p:sp>
+        <p:nvSpPr>
+          <p:cNvPr id="2" name="Title 1">
+            <a:extLst>
+              <a:ext uri="{FF2B5EF4-FFF2-40B4-BE49-F238E27FC236}">
+                <a16:creationId xmlns:a16="http://schemas.microsoft.com/office/drawing/2014/main" id="{0817A5F2-8E48-CE68-098E-97BD444C1A13}"/>
+              </a:ext>
+            </a:extLst>
+          </p:cNvPr>
+          <p:cNvSpPr>
+            <a:spLocks noGrp="1"/>
+          </p:cNvSpPr>
+          <p:nvPr>
+            <p:ph type="title"/>
+          </p:nvPr>
+        </p:nvSpPr>
+        <p:spPr/>
+        <p:txBody>
+          <a:bodyPr/>
+          <a:lstStyle/>
+          <a:p>
+            <a:r>
+              <a:rPr lang="ru-RU" dirty="0"/>
+              <a:t>Список литературы</a:t>
+            </a:r>
+            <a:endParaRPr lang="en-US" dirty="0"/>
+          </a:p>
+        </p:txBody>
+      </p:sp>
+      <p:sp>
+        <p:nvSpPr>
+          <p:cNvPr id="3" name="Content Placeholder 2">
+            <a:extLst>
+              <a:ext uri="{FF2B5EF4-FFF2-40B4-BE49-F238E27FC236}">
+                <a16:creationId xmlns:a16="http://schemas.microsoft.com/office/drawing/2014/main" id="{2C660341-E35E-08A7-47CB-C35363D0487F}"/>
+              </a:ext>
+            </a:extLst>
+          </p:cNvPr>
+          <p:cNvSpPr>
+            <a:spLocks noGrp="1"/>
+          </p:cNvSpPr>
+          <p:nvPr>
+            <p:ph idx="1"/>
+          </p:nvPr>
+        </p:nvSpPr>
+        <p:spPr/>
+        <p:txBody>
+          <a:bodyPr>
+            <a:normAutofit/>
+          </a:bodyPr>
+          <a:lstStyle/>
+          <a:p>
+            <a:r>
+              <a:rPr lang="en-US" dirty="0"/>
+              <a:t>Williams Anthony, “C++ Concurrency in Action, 2</a:t>
+            </a:r>
+            <a:r>
+              <a:rPr lang="en-US" baseline="30000" dirty="0"/>
+              <a:t>nd</a:t>
+            </a:r>
+            <a:r>
+              <a:rPr lang="en-US" dirty="0"/>
+              <a:t> Edition”</a:t>
+            </a:r>
+            <a:endParaRPr lang="ru-RU" dirty="0"/>
+          </a:p>
+          <a:p>
+            <a:r>
+              <a:rPr lang="en-US" dirty="0"/>
+              <a:t>Maurice Herlihy, Nir Shavit “The Art of Multiprocessor Programming”</a:t>
+            </a:r>
+          </a:p>
+          <a:p>
+            <a:r>
+              <a:rPr lang="en-US" dirty="0"/>
+              <a:t>Lock-free </a:t>
+            </a:r>
+            <a:r>
+              <a:rPr lang="ru-RU" dirty="0"/>
+              <a:t>структуры данных. Откуда пошли быть барьеры памяти</a:t>
+            </a:r>
+          </a:p>
+          <a:p>
+            <a:pPr lvl="1"/>
+            <a:r>
+              <a:rPr lang="en-US" dirty="0">
+                <a:hlinkClick r:id="rId2"/>
+              </a:rPr>
+              <a:t>Memory Barriers: a Hardware View for Software Hackers</a:t>
+            </a:r>
+            <a:endParaRPr lang="ru-RU" dirty="0"/>
+          </a:p>
+          <a:p>
+            <a:endParaRPr lang="en-US" dirty="0"/>
+          </a:p>
+        </p:txBody>
+      </p:sp>
+    </p:spTree>
+    <p:extLst>
+      <p:ext uri="{BB962C8B-B14F-4D97-AF65-F5344CB8AC3E}">
+        <p14:creationId xmlns:p14="http://schemas.microsoft.com/office/powerpoint/2010/main" val="1969137641"/>
+      </p:ext>
+    </p:extLst>
+  </p:cSld>
+  <p:clrMapOvr>
+    <a:masterClrMapping/>
+  </p:clrMapOvr>
+</p:sld>
+</file>
+
+<file path=ppt/slides/slide45.xml><?xml version="1.0" encoding="utf-8"?>
+<p:sld xmlns:a="http://schemas.openxmlformats.org/drawingml/2006/main" xmlns:r="http://schemas.openxmlformats.org/officeDocument/2006/relationships" xmlns:p="http://schemas.openxmlformats.org/presentationml/2006/main">
+  <p:cSld>
+    <p:spTree>
+      <p:nvGrpSpPr>
+        <p:cNvPr id="1" name=""/>
+        <p:cNvGrpSpPr/>
+        <p:nvPr/>
+      </p:nvGrpSpPr>
+      <p:grpSpPr>
+        <a:xfrm>
+          <a:off x="0" y="0"/>
+          <a:ext cx="0" cy="0"/>
+          <a:chOff x="0" y="0"/>
+          <a:chExt cx="0" cy="0"/>
+        </a:xfrm>
+      </p:grpSpPr>
+      <p:sp>
+        <p:nvSpPr>
+          <p:cNvPr id="2" name="Title 1">
+            <a:extLst>
+              <a:ext uri="{FF2B5EF4-FFF2-40B4-BE49-F238E27FC236}">
+                <a16:creationId xmlns:a16="http://schemas.microsoft.com/office/drawing/2014/main" id="{7D258A16-D3F9-CF1C-55F9-85E43B6F8704}"/>
+              </a:ext>
+            </a:extLst>
+          </p:cNvPr>
+          <p:cNvSpPr>
+            <a:spLocks noGrp="1"/>
+          </p:cNvSpPr>
+          <p:nvPr>
+            <p:ph type="title"/>
+          </p:nvPr>
+        </p:nvSpPr>
+        <p:spPr/>
+        <p:txBody>
+          <a:bodyPr/>
+          <a:lstStyle/>
+          <a:p>
+            <a:r>
+              <a:rPr lang="ru-RU" dirty="0"/>
+              <a:t>Вопросы</a:t>
+            </a:r>
+            <a:r>
+              <a:rPr lang="en-US" dirty="0"/>
+              <a:t>?</a:t>
+            </a:r>
+          </a:p>
+        </p:txBody>
+      </p:sp>
+      <p:sp>
+        <p:nvSpPr>
+          <p:cNvPr id="3" name="Text Placeholder 2">
+            <a:extLst>
+              <a:ext uri="{FF2B5EF4-FFF2-40B4-BE49-F238E27FC236}">
+                <a16:creationId xmlns:a16="http://schemas.microsoft.com/office/drawing/2014/main" id="{38A820E6-49CD-914B-5655-ECC3ECF465B5}"/>
+              </a:ext>
+            </a:extLst>
+          </p:cNvPr>
+          <p:cNvSpPr>
+            <a:spLocks noGrp="1"/>
+          </p:cNvSpPr>
+          <p:nvPr>
+            <p:ph type="body" idx="1"/>
+          </p:nvPr>
+        </p:nvSpPr>
+        <p:spPr/>
+        <p:txBody>
+          <a:bodyPr/>
+          <a:lstStyle/>
+          <a:p>
+            <a:endParaRPr lang="en-US"/>
+          </a:p>
+        </p:txBody>
+      </p:sp>
+    </p:spTree>
+    <p:extLst>
+      <p:ext uri="{BB962C8B-B14F-4D97-AF65-F5344CB8AC3E}">
+        <p14:creationId xmlns:p14="http://schemas.microsoft.com/office/powerpoint/2010/main" val="3982594405"/>
       </p:ext>
     </p:extLst>
   </p:cSld>
